--- a/doc/source/_static/raw_figures_4x6.pptx
+++ b/doc/source/_static/raw_figures_4x6.pptx
@@ -7,6 +7,13 @@
   <p:sldIdLst>
     <p:sldId id="256" r:id="rId2"/>
     <p:sldId id="257" r:id="rId3"/>
+    <p:sldId id="259" r:id="rId4"/>
+    <p:sldId id="258" r:id="rId5"/>
+    <p:sldId id="260" r:id="rId6"/>
+    <p:sldId id="261" r:id="rId7"/>
+    <p:sldId id="262" r:id="rId8"/>
+    <p:sldId id="263" r:id="rId9"/>
+    <p:sldId id="264" r:id="rId10"/>
   </p:sldIdLst>
   <p:sldSz cx="5486400" cy="3657600"/>
   <p:notesSz cx="6858000" cy="9144000"/>
@@ -244,7 +251,7 @@
           <a:p>
             <a:fld id="{57A6BCA2-475F-4384-9763-C66D05EE8847}" type="datetimeFigureOut">
               <a:rPr lang="en-US" smtClean="0"/>
-              <a:t>10/10/2021</a:t>
+              <a:t>10/19/2021</a:t>
             </a:fld>
             <a:endParaRPr lang="en-US"/>
           </a:p>
@@ -414,7 +421,7 @@
           <a:p>
             <a:fld id="{57A6BCA2-475F-4384-9763-C66D05EE8847}" type="datetimeFigureOut">
               <a:rPr lang="en-US" smtClean="0"/>
-              <a:t>10/10/2021</a:t>
+              <a:t>10/19/2021</a:t>
             </a:fld>
             <a:endParaRPr lang="en-US"/>
           </a:p>
@@ -594,7 +601,7 @@
           <a:p>
             <a:fld id="{57A6BCA2-475F-4384-9763-C66D05EE8847}" type="datetimeFigureOut">
               <a:rPr lang="en-US" smtClean="0"/>
-              <a:t>10/10/2021</a:t>
+              <a:t>10/19/2021</a:t>
             </a:fld>
             <a:endParaRPr lang="en-US"/>
           </a:p>
@@ -764,7 +771,7 @@
           <a:p>
             <a:fld id="{57A6BCA2-475F-4384-9763-C66D05EE8847}" type="datetimeFigureOut">
               <a:rPr lang="en-US" smtClean="0"/>
-              <a:t>10/10/2021</a:t>
+              <a:t>10/19/2021</a:t>
             </a:fld>
             <a:endParaRPr lang="en-US"/>
           </a:p>
@@ -1008,7 +1015,7 @@
           <a:p>
             <a:fld id="{57A6BCA2-475F-4384-9763-C66D05EE8847}" type="datetimeFigureOut">
               <a:rPr lang="en-US" smtClean="0"/>
-              <a:t>10/10/2021</a:t>
+              <a:t>10/19/2021</a:t>
             </a:fld>
             <a:endParaRPr lang="en-US"/>
           </a:p>
@@ -1240,7 +1247,7 @@
           <a:p>
             <a:fld id="{57A6BCA2-475F-4384-9763-C66D05EE8847}" type="datetimeFigureOut">
               <a:rPr lang="en-US" smtClean="0"/>
-              <a:t>10/10/2021</a:t>
+              <a:t>10/19/2021</a:t>
             </a:fld>
             <a:endParaRPr lang="en-US"/>
           </a:p>
@@ -1607,7 +1614,7 @@
           <a:p>
             <a:fld id="{57A6BCA2-475F-4384-9763-C66D05EE8847}" type="datetimeFigureOut">
               <a:rPr lang="en-US" smtClean="0"/>
-              <a:t>10/10/2021</a:t>
+              <a:t>10/19/2021</a:t>
             </a:fld>
             <a:endParaRPr lang="en-US"/>
           </a:p>
@@ -1725,7 +1732,7 @@
           <a:p>
             <a:fld id="{57A6BCA2-475F-4384-9763-C66D05EE8847}" type="datetimeFigureOut">
               <a:rPr lang="en-US" smtClean="0"/>
-              <a:t>10/10/2021</a:t>
+              <a:t>10/19/2021</a:t>
             </a:fld>
             <a:endParaRPr lang="en-US"/>
           </a:p>
@@ -1820,7 +1827,7 @@
           <a:p>
             <a:fld id="{57A6BCA2-475F-4384-9763-C66D05EE8847}" type="datetimeFigureOut">
               <a:rPr lang="en-US" smtClean="0"/>
-              <a:t>10/10/2021</a:t>
+              <a:t>10/19/2021</a:t>
             </a:fld>
             <a:endParaRPr lang="en-US"/>
           </a:p>
@@ -2097,7 +2104,7 @@
           <a:p>
             <a:fld id="{57A6BCA2-475F-4384-9763-C66D05EE8847}" type="datetimeFigureOut">
               <a:rPr lang="en-US" smtClean="0"/>
-              <a:t>10/10/2021</a:t>
+              <a:t>10/19/2021</a:t>
             </a:fld>
             <a:endParaRPr lang="en-US"/>
           </a:p>
@@ -2354,7 +2361,7 @@
           <a:p>
             <a:fld id="{57A6BCA2-475F-4384-9763-C66D05EE8847}" type="datetimeFigureOut">
               <a:rPr lang="en-US" smtClean="0"/>
-              <a:t>10/10/2021</a:t>
+              <a:t>10/19/2021</a:t>
             </a:fld>
             <a:endParaRPr lang="en-US"/>
           </a:p>
@@ -2567,7 +2574,7 @@
           <a:p>
             <a:fld id="{57A6BCA2-475F-4384-9763-C66D05EE8847}" type="datetimeFigureOut">
               <a:rPr lang="en-US" smtClean="0"/>
-              <a:t>10/10/2021</a:t>
+              <a:t>10/19/2021</a:t>
             </a:fld>
             <a:endParaRPr lang="en-US"/>
           </a:p>
@@ -3105,6 +3112,1636 @@
 </p:sld>
 </file>
 
+<file path=ppt/slides/slide3.xml><?xml version="1.0" encoding="utf-8"?>
+<p:sld xmlns:a="http://schemas.openxmlformats.org/drawingml/2006/main" xmlns:r="http://schemas.openxmlformats.org/officeDocument/2006/relationships" xmlns:p="http://schemas.openxmlformats.org/presentationml/2006/main">
+  <p:cSld>
+    <p:spTree>
+      <p:nvGrpSpPr>
+        <p:cNvPr id="1" name=""/>
+        <p:cNvGrpSpPr/>
+        <p:nvPr/>
+      </p:nvGrpSpPr>
+      <p:grpSpPr>
+        <a:xfrm>
+          <a:off x="0" y="0"/>
+          <a:ext cx="0" cy="0"/>
+          <a:chOff x="0" y="0"/>
+          <a:chExt cx="0" cy="0"/>
+        </a:xfrm>
+      </p:grpSpPr>
+      <p:pic>
+        <p:nvPicPr>
+          <p:cNvPr id="23" name="Picture 22">
+            <a:extLst>
+              <a:ext uri="{FF2B5EF4-FFF2-40B4-BE49-F238E27FC236}">
+                <a16:creationId xmlns:a16="http://schemas.microsoft.com/office/drawing/2014/main" id="{8651B7C3-99B9-4CF6-994E-C2592899C434}"/>
+              </a:ext>
+            </a:extLst>
+          </p:cNvPr>
+          <p:cNvPicPr>
+            <a:picLocks noChangeAspect="1"/>
+          </p:cNvPicPr>
+          <p:nvPr/>
+        </p:nvPicPr>
+        <p:blipFill>
+          <a:blip r:embed="rId2"/>
+          <a:stretch>
+            <a:fillRect/>
+          </a:stretch>
+        </p:blipFill>
+        <p:spPr>
+          <a:xfrm>
+            <a:off x="3048" y="0"/>
+            <a:ext cx="5480304" cy="3657600"/>
+          </a:xfrm>
+          <a:prstGeom prst="rect">
+            <a:avLst/>
+          </a:prstGeom>
+        </p:spPr>
+      </p:pic>
+      <p:cxnSp>
+        <p:nvCxnSpPr>
+          <p:cNvPr id="5" name="Straight Arrow Connector 4">
+            <a:extLst>
+              <a:ext uri="{FF2B5EF4-FFF2-40B4-BE49-F238E27FC236}">
+                <a16:creationId xmlns:a16="http://schemas.microsoft.com/office/drawing/2014/main" id="{542720A1-08AE-435A-BFAC-EABCDDA4494C}"/>
+              </a:ext>
+            </a:extLst>
+          </p:cNvPr>
+          <p:cNvCxnSpPr>
+            <a:cxnSpLocks/>
+          </p:cNvCxnSpPr>
+          <p:nvPr/>
+        </p:nvCxnSpPr>
+        <p:spPr>
+          <a:xfrm flipH="1" flipV="1">
+            <a:off x="3179135" y="1244009"/>
+            <a:ext cx="573715" cy="1213441"/>
+          </a:xfrm>
+          <a:prstGeom prst="straightConnector1">
+            <a:avLst/>
+          </a:prstGeom>
+          <a:ln>
+            <a:solidFill>
+              <a:schemeClr val="tx1"/>
+            </a:solidFill>
+            <a:tailEnd type="oval"/>
+          </a:ln>
+        </p:spPr>
+        <p:style>
+          <a:lnRef idx="1">
+            <a:schemeClr val="accent1"/>
+          </a:lnRef>
+          <a:fillRef idx="0">
+            <a:schemeClr val="accent1"/>
+          </a:fillRef>
+          <a:effectRef idx="0">
+            <a:schemeClr val="accent1"/>
+          </a:effectRef>
+          <a:fontRef idx="minor">
+            <a:schemeClr val="tx1"/>
+          </a:fontRef>
+        </p:style>
+      </p:cxnSp>
+      <p:sp>
+        <p:nvSpPr>
+          <p:cNvPr id="8" name="TextBox 7">
+            <a:extLst>
+              <a:ext uri="{FF2B5EF4-FFF2-40B4-BE49-F238E27FC236}">
+                <a16:creationId xmlns:a16="http://schemas.microsoft.com/office/drawing/2014/main" id="{2CF2B8CC-2CD9-4B27-90CE-60297F4F468E}"/>
+              </a:ext>
+            </a:extLst>
+          </p:cNvPr>
+          <p:cNvSpPr txBox="1"/>
+          <p:nvPr/>
+        </p:nvSpPr>
+        <p:spPr>
+          <a:xfrm>
+            <a:off x="2573606" y="2173140"/>
+            <a:ext cx="384748" cy="184666"/>
+          </a:xfrm>
+          <a:prstGeom prst="rect">
+            <a:avLst/>
+          </a:prstGeom>
+          <a:noFill/>
+        </p:spPr>
+        <p:txBody>
+          <a:bodyPr wrap="square" lIns="0" tIns="0" rIns="0" bIns="0" rtlCol="0">
+            <a:spAutoFit/>
+          </a:bodyPr>
+          <a:lstStyle/>
+          <a:p>
+            <a:r>
+              <a:rPr lang="en-US" sz="1200" dirty="0">
+                <a:latin typeface="Calibri" panose="020F0502020204030204" pitchFamily="34" charset="0"/>
+                <a:cs typeface="Calibri" panose="020F0502020204030204" pitchFamily="34" charset="0"/>
+              </a:rPr>
+              <a:t>(alt1)</a:t>
+            </a:r>
+          </a:p>
+        </p:txBody>
+      </p:sp>
+      <p:sp>
+        <p:nvSpPr>
+          <p:cNvPr id="9" name="TextBox 8">
+            <a:extLst>
+              <a:ext uri="{FF2B5EF4-FFF2-40B4-BE49-F238E27FC236}">
+                <a16:creationId xmlns:a16="http://schemas.microsoft.com/office/drawing/2014/main" id="{E2538FF1-F775-42BC-AF97-5C993486483D}"/>
+              </a:ext>
+            </a:extLst>
+          </p:cNvPr>
+          <p:cNvSpPr txBox="1"/>
+          <p:nvPr/>
+        </p:nvSpPr>
+        <p:spPr>
+          <a:xfrm>
+            <a:off x="2427609" y="2449766"/>
+            <a:ext cx="384748" cy="184666"/>
+          </a:xfrm>
+          <a:prstGeom prst="rect">
+            <a:avLst/>
+          </a:prstGeom>
+          <a:noFill/>
+        </p:spPr>
+        <p:txBody>
+          <a:bodyPr wrap="square" lIns="0" tIns="0" rIns="0" bIns="0" rtlCol="0">
+            <a:spAutoFit/>
+          </a:bodyPr>
+          <a:lstStyle/>
+          <a:p>
+            <a:r>
+              <a:rPr lang="en-US" sz="1200" dirty="0">
+                <a:latin typeface="Calibri" panose="020F0502020204030204" pitchFamily="34" charset="0"/>
+                <a:cs typeface="Calibri" panose="020F0502020204030204" pitchFamily="34" charset="0"/>
+              </a:rPr>
+              <a:t>(alt0)</a:t>
+            </a:r>
+          </a:p>
+        </p:txBody>
+      </p:sp>
+      <p:sp>
+        <p:nvSpPr>
+          <p:cNvPr id="10" name="TextBox 9">
+            <a:extLst>
+              <a:ext uri="{FF2B5EF4-FFF2-40B4-BE49-F238E27FC236}">
+                <a16:creationId xmlns:a16="http://schemas.microsoft.com/office/drawing/2014/main" id="{E3077533-0104-4B35-8992-703C9F367DAD}"/>
+              </a:ext>
+            </a:extLst>
+          </p:cNvPr>
+          <p:cNvSpPr txBox="1"/>
+          <p:nvPr/>
+        </p:nvSpPr>
+        <p:spPr>
+          <a:xfrm>
+            <a:off x="3250346" y="2449766"/>
+            <a:ext cx="1444600" cy="406265"/>
+          </a:xfrm>
+          <a:prstGeom prst="rect">
+            <a:avLst/>
+          </a:prstGeom>
+          <a:solidFill>
+            <a:schemeClr val="bg1"/>
+          </a:solidFill>
+          <a:ln>
+            <a:solidFill>
+              <a:schemeClr val="tx1"/>
+            </a:solidFill>
+          </a:ln>
+        </p:spPr>
+        <p:txBody>
+          <a:bodyPr wrap="square" lIns="18288" tIns="18288" rIns="18288" bIns="18288" rtlCol="0">
+            <a:spAutoFit/>
+          </a:bodyPr>
+          <a:lstStyle/>
+          <a:p>
+            <a:r>
+              <a:rPr lang="en-US" sz="1200" dirty="0">
+                <a:latin typeface="Calibri" panose="020F0502020204030204" pitchFamily="34" charset="0"/>
+                <a:cs typeface="Calibri" panose="020F0502020204030204" pitchFamily="34" charset="0"/>
+              </a:rPr>
+              <a:t>2035: start upstream accounting</a:t>
+            </a:r>
+          </a:p>
+        </p:txBody>
+      </p:sp>
+      <p:cxnSp>
+        <p:nvCxnSpPr>
+          <p:cNvPr id="11" name="Straight Arrow Connector 10">
+            <a:extLst>
+              <a:ext uri="{FF2B5EF4-FFF2-40B4-BE49-F238E27FC236}">
+                <a16:creationId xmlns:a16="http://schemas.microsoft.com/office/drawing/2014/main" id="{C7984198-DC24-47D7-85DB-B317801B644B}"/>
+              </a:ext>
+            </a:extLst>
+          </p:cNvPr>
+          <p:cNvCxnSpPr>
+            <a:cxnSpLocks/>
+          </p:cNvCxnSpPr>
+          <p:nvPr/>
+        </p:nvCxnSpPr>
+        <p:spPr>
+          <a:xfrm>
+            <a:off x="3671327" y="1006608"/>
+            <a:ext cx="478051" cy="430306"/>
+          </a:xfrm>
+          <a:prstGeom prst="straightConnector1">
+            <a:avLst/>
+          </a:prstGeom>
+          <a:ln>
+            <a:solidFill>
+              <a:schemeClr val="tx1"/>
+            </a:solidFill>
+            <a:tailEnd type="oval"/>
+          </a:ln>
+        </p:spPr>
+        <p:style>
+          <a:lnRef idx="1">
+            <a:schemeClr val="accent1"/>
+          </a:lnRef>
+          <a:fillRef idx="0">
+            <a:schemeClr val="accent1"/>
+          </a:fillRef>
+          <a:effectRef idx="0">
+            <a:schemeClr val="accent1"/>
+          </a:effectRef>
+          <a:fontRef idx="minor">
+            <a:schemeClr val="tx1"/>
+          </a:fontRef>
+        </p:style>
+      </p:cxnSp>
+      <p:sp>
+        <p:nvSpPr>
+          <p:cNvPr id="13" name="TextBox 12">
+            <a:extLst>
+              <a:ext uri="{FF2B5EF4-FFF2-40B4-BE49-F238E27FC236}">
+                <a16:creationId xmlns:a16="http://schemas.microsoft.com/office/drawing/2014/main" id="{7698519D-CA2E-4EE9-9151-DBE6A9A34DA9}"/>
+              </a:ext>
+            </a:extLst>
+          </p:cNvPr>
+          <p:cNvSpPr txBox="1"/>
+          <p:nvPr/>
+        </p:nvSpPr>
+        <p:spPr>
+          <a:xfrm>
+            <a:off x="2916800" y="420696"/>
+            <a:ext cx="1301736" cy="590931"/>
+          </a:xfrm>
+          <a:prstGeom prst="rect">
+            <a:avLst/>
+          </a:prstGeom>
+          <a:solidFill>
+            <a:schemeClr val="bg1"/>
+          </a:solidFill>
+          <a:ln>
+            <a:solidFill>
+              <a:schemeClr val="tx1"/>
+            </a:solidFill>
+          </a:ln>
+        </p:spPr>
+        <p:txBody>
+          <a:bodyPr wrap="square" lIns="18288" tIns="18288" rIns="18288" bIns="18288" rtlCol="0">
+            <a:spAutoFit/>
+          </a:bodyPr>
+          <a:lstStyle/>
+          <a:p>
+            <a:pPr algn="r"/>
+            <a:r>
+              <a:rPr lang="en-US" sz="1200" dirty="0">
+                <a:latin typeface="Calibri" panose="020F0502020204030204" pitchFamily="34" charset="0"/>
+                <a:cs typeface="Calibri" panose="020F0502020204030204" pitchFamily="34" charset="0"/>
+              </a:rPr>
+              <a:t>2042: start higher year-over-year target stringency</a:t>
+            </a:r>
+          </a:p>
+        </p:txBody>
+      </p:sp>
+      <p:cxnSp>
+        <p:nvCxnSpPr>
+          <p:cNvPr id="15" name="Straight Arrow Connector 14">
+            <a:extLst>
+              <a:ext uri="{FF2B5EF4-FFF2-40B4-BE49-F238E27FC236}">
+                <a16:creationId xmlns:a16="http://schemas.microsoft.com/office/drawing/2014/main" id="{DD9ECC33-5A40-42DF-A869-09B3695528E1}"/>
+              </a:ext>
+            </a:extLst>
+          </p:cNvPr>
+          <p:cNvCxnSpPr>
+            <a:cxnSpLocks/>
+            <a:stCxn id="18" idx="0"/>
+          </p:cNvCxnSpPr>
+          <p:nvPr/>
+        </p:nvCxnSpPr>
+        <p:spPr>
+          <a:xfrm flipH="1" flipV="1">
+            <a:off x="4748733" y="799139"/>
+            <a:ext cx="211483" cy="733077"/>
+          </a:xfrm>
+          <a:prstGeom prst="straightConnector1">
+            <a:avLst/>
+          </a:prstGeom>
+          <a:ln>
+            <a:solidFill>
+              <a:schemeClr val="tx1"/>
+            </a:solidFill>
+            <a:tailEnd type="oval"/>
+          </a:ln>
+        </p:spPr>
+        <p:style>
+          <a:lnRef idx="1">
+            <a:schemeClr val="accent1"/>
+          </a:lnRef>
+          <a:fillRef idx="0">
+            <a:schemeClr val="accent1"/>
+          </a:fillRef>
+          <a:effectRef idx="0">
+            <a:schemeClr val="accent1"/>
+          </a:effectRef>
+          <a:fontRef idx="minor">
+            <a:schemeClr val="tx1"/>
+          </a:fontRef>
+        </p:style>
+      </p:cxnSp>
+      <p:sp>
+        <p:nvSpPr>
+          <p:cNvPr id="18" name="TextBox 17">
+            <a:extLst>
+              <a:ext uri="{FF2B5EF4-FFF2-40B4-BE49-F238E27FC236}">
+                <a16:creationId xmlns:a16="http://schemas.microsoft.com/office/drawing/2014/main" id="{4F665A94-CD97-4B77-935A-A894B26C9893}"/>
+              </a:ext>
+            </a:extLst>
+          </p:cNvPr>
+          <p:cNvSpPr txBox="1"/>
+          <p:nvPr/>
+        </p:nvSpPr>
+        <p:spPr>
+          <a:xfrm>
+            <a:off x="4467879" y="1532216"/>
+            <a:ext cx="984674" cy="590931"/>
+          </a:xfrm>
+          <a:prstGeom prst="rect">
+            <a:avLst/>
+          </a:prstGeom>
+          <a:solidFill>
+            <a:schemeClr val="bg1"/>
+          </a:solidFill>
+          <a:ln>
+            <a:solidFill>
+              <a:schemeClr val="tx1"/>
+            </a:solidFill>
+          </a:ln>
+        </p:spPr>
+        <p:txBody>
+          <a:bodyPr wrap="square" lIns="18288" tIns="18288" rIns="18288" bIns="18288" rtlCol="0">
+            <a:spAutoFit/>
+          </a:bodyPr>
+          <a:lstStyle/>
+          <a:p>
+            <a:pPr algn="r"/>
+            <a:r>
+              <a:rPr lang="en-US" sz="1200" dirty="0">
+                <a:latin typeface="Calibri" panose="020F0502020204030204" pitchFamily="34" charset="0"/>
+                <a:cs typeface="Calibri" panose="020F0502020204030204" pitchFamily="34" charset="0"/>
+              </a:rPr>
+              <a:t>2046: first year where targets are not met</a:t>
+            </a:r>
+          </a:p>
+        </p:txBody>
+      </p:sp>
+    </p:spTree>
+    <p:extLst>
+      <p:ext uri="{BB962C8B-B14F-4D97-AF65-F5344CB8AC3E}">
+        <p14:creationId xmlns:p14="http://schemas.microsoft.com/office/powerpoint/2010/main" val="2337600130"/>
+      </p:ext>
+    </p:extLst>
+  </p:cSld>
+  <p:clrMapOvr>
+    <a:masterClrMapping/>
+  </p:clrMapOvr>
+</p:sld>
+</file>
+
+<file path=ppt/slides/slide4.xml><?xml version="1.0" encoding="utf-8"?>
+<p:sld xmlns:a="http://schemas.openxmlformats.org/drawingml/2006/main" xmlns:r="http://schemas.openxmlformats.org/officeDocument/2006/relationships" xmlns:p="http://schemas.openxmlformats.org/presentationml/2006/main">
+  <p:cSld>
+    <p:spTree>
+      <p:nvGrpSpPr>
+        <p:cNvPr id="1" name=""/>
+        <p:cNvGrpSpPr/>
+        <p:nvPr/>
+      </p:nvGrpSpPr>
+      <p:grpSpPr>
+        <a:xfrm>
+          <a:off x="0" y="0"/>
+          <a:ext cx="0" cy="0"/>
+          <a:chOff x="0" y="0"/>
+          <a:chExt cx="0" cy="0"/>
+        </a:xfrm>
+      </p:grpSpPr>
+      <p:pic>
+        <p:nvPicPr>
+          <p:cNvPr id="3" name="Picture 2">
+            <a:extLst>
+              <a:ext uri="{FF2B5EF4-FFF2-40B4-BE49-F238E27FC236}">
+                <a16:creationId xmlns:a16="http://schemas.microsoft.com/office/drawing/2014/main" id="{0AE6E632-ADC2-4361-ACD4-F69F1069D067}"/>
+              </a:ext>
+            </a:extLst>
+          </p:cNvPr>
+          <p:cNvPicPr>
+            <a:picLocks noChangeAspect="1"/>
+          </p:cNvPicPr>
+          <p:nvPr/>
+        </p:nvPicPr>
+        <p:blipFill>
+          <a:blip r:embed="rId2"/>
+          <a:stretch>
+            <a:fillRect/>
+          </a:stretch>
+        </p:blipFill>
+        <p:spPr>
+          <a:xfrm>
+            <a:off x="3048" y="0"/>
+            <a:ext cx="5480304" cy="3657600"/>
+          </a:xfrm>
+          <a:prstGeom prst="rect">
+            <a:avLst/>
+          </a:prstGeom>
+        </p:spPr>
+      </p:pic>
+      <p:cxnSp>
+        <p:nvCxnSpPr>
+          <p:cNvPr id="6" name="Straight Arrow Connector 5">
+            <a:extLst>
+              <a:ext uri="{FF2B5EF4-FFF2-40B4-BE49-F238E27FC236}">
+                <a16:creationId xmlns:a16="http://schemas.microsoft.com/office/drawing/2014/main" id="{FE9B5660-63B5-4156-93DF-96D26721333F}"/>
+              </a:ext>
+            </a:extLst>
+          </p:cNvPr>
+          <p:cNvCxnSpPr>
+            <a:cxnSpLocks/>
+            <a:stCxn id="7" idx="3"/>
+          </p:cNvCxnSpPr>
+          <p:nvPr/>
+        </p:nvCxnSpPr>
+        <p:spPr>
+          <a:xfrm>
+            <a:off x="2405103" y="2031933"/>
+            <a:ext cx="760719" cy="742003"/>
+          </a:xfrm>
+          <a:prstGeom prst="straightConnector1">
+            <a:avLst/>
+          </a:prstGeom>
+          <a:ln>
+            <a:solidFill>
+              <a:schemeClr val="tx1"/>
+            </a:solidFill>
+            <a:tailEnd type="oval"/>
+          </a:ln>
+        </p:spPr>
+        <p:style>
+          <a:lnRef idx="1">
+            <a:schemeClr val="accent1"/>
+          </a:lnRef>
+          <a:fillRef idx="0">
+            <a:schemeClr val="accent1"/>
+          </a:fillRef>
+          <a:effectRef idx="0">
+            <a:schemeClr val="accent1"/>
+          </a:effectRef>
+          <a:fontRef idx="minor">
+            <a:schemeClr val="tx1"/>
+          </a:fontRef>
+        </p:style>
+      </p:cxnSp>
+      <p:sp>
+        <p:nvSpPr>
+          <p:cNvPr id="7" name="TextBox 6">
+            <a:extLst>
+              <a:ext uri="{FF2B5EF4-FFF2-40B4-BE49-F238E27FC236}">
+                <a16:creationId xmlns:a16="http://schemas.microsoft.com/office/drawing/2014/main" id="{C4653680-F3DB-459F-B8D0-403449CC62DF}"/>
+              </a:ext>
+            </a:extLst>
+          </p:cNvPr>
+          <p:cNvSpPr txBox="1"/>
+          <p:nvPr/>
+        </p:nvSpPr>
+        <p:spPr>
+          <a:xfrm>
+            <a:off x="1024250" y="1828800"/>
+            <a:ext cx="1380853" cy="406265"/>
+          </a:xfrm>
+          <a:prstGeom prst="rect">
+            <a:avLst/>
+          </a:prstGeom>
+          <a:solidFill>
+            <a:schemeClr val="bg1"/>
+          </a:solidFill>
+          <a:ln>
+            <a:solidFill>
+              <a:schemeClr val="tx1"/>
+            </a:solidFill>
+          </a:ln>
+        </p:spPr>
+        <p:txBody>
+          <a:bodyPr wrap="square" lIns="18288" tIns="18288" rIns="18288" bIns="18288" rtlCol="0">
+            <a:spAutoFit/>
+          </a:bodyPr>
+          <a:lstStyle/>
+          <a:p>
+            <a:r>
+              <a:rPr lang="en-US" sz="1200" dirty="0">
+                <a:latin typeface="Calibri" panose="020F0502020204030204" pitchFamily="34" charset="0"/>
+                <a:cs typeface="Calibri" panose="020F0502020204030204" pitchFamily="34" charset="0"/>
+              </a:rPr>
+              <a:t>2035: start upstream accounting</a:t>
+            </a:r>
+          </a:p>
+        </p:txBody>
+      </p:sp>
+      <p:cxnSp>
+        <p:nvCxnSpPr>
+          <p:cNvPr id="8" name="Straight Arrow Connector 7">
+            <a:extLst>
+              <a:ext uri="{FF2B5EF4-FFF2-40B4-BE49-F238E27FC236}">
+                <a16:creationId xmlns:a16="http://schemas.microsoft.com/office/drawing/2014/main" id="{5EBC8349-2C1C-4E79-94FF-14210480DB42}"/>
+              </a:ext>
+            </a:extLst>
+          </p:cNvPr>
+          <p:cNvCxnSpPr>
+            <a:cxnSpLocks/>
+            <a:stCxn id="10" idx="3"/>
+          </p:cNvCxnSpPr>
+          <p:nvPr/>
+        </p:nvCxnSpPr>
+        <p:spPr>
+          <a:xfrm>
+            <a:off x="2896133" y="1367880"/>
+            <a:ext cx="1291665" cy="783649"/>
+          </a:xfrm>
+          <a:prstGeom prst="straightConnector1">
+            <a:avLst/>
+          </a:prstGeom>
+          <a:ln>
+            <a:solidFill>
+              <a:schemeClr val="tx1"/>
+            </a:solidFill>
+            <a:tailEnd type="oval"/>
+          </a:ln>
+        </p:spPr>
+        <p:style>
+          <a:lnRef idx="1">
+            <a:schemeClr val="accent1"/>
+          </a:lnRef>
+          <a:fillRef idx="0">
+            <a:schemeClr val="accent1"/>
+          </a:fillRef>
+          <a:effectRef idx="0">
+            <a:schemeClr val="accent1"/>
+          </a:effectRef>
+          <a:fontRef idx="minor">
+            <a:schemeClr val="tx1"/>
+          </a:fontRef>
+        </p:style>
+      </p:cxnSp>
+      <p:sp>
+        <p:nvSpPr>
+          <p:cNvPr id="10" name="TextBox 9">
+            <a:extLst>
+              <a:ext uri="{FF2B5EF4-FFF2-40B4-BE49-F238E27FC236}">
+                <a16:creationId xmlns:a16="http://schemas.microsoft.com/office/drawing/2014/main" id="{412A8CF6-8EA3-49BD-A262-82B0A2D832B7}"/>
+              </a:ext>
+            </a:extLst>
+          </p:cNvPr>
+          <p:cNvSpPr txBox="1"/>
+          <p:nvPr/>
+        </p:nvSpPr>
+        <p:spPr>
+          <a:xfrm>
+            <a:off x="1594397" y="1072414"/>
+            <a:ext cx="1301736" cy="590931"/>
+          </a:xfrm>
+          <a:prstGeom prst="rect">
+            <a:avLst/>
+          </a:prstGeom>
+          <a:solidFill>
+            <a:schemeClr val="bg1"/>
+          </a:solidFill>
+          <a:ln>
+            <a:solidFill>
+              <a:schemeClr val="tx1"/>
+            </a:solidFill>
+          </a:ln>
+        </p:spPr>
+        <p:txBody>
+          <a:bodyPr wrap="square" lIns="18288" tIns="18288" rIns="18288" bIns="18288" rtlCol="0">
+            <a:spAutoFit/>
+          </a:bodyPr>
+          <a:lstStyle/>
+          <a:p>
+            <a:pPr algn="r"/>
+            <a:r>
+              <a:rPr lang="en-US" sz="1200" dirty="0">
+                <a:latin typeface="Calibri" panose="020F0502020204030204" pitchFamily="34" charset="0"/>
+                <a:cs typeface="Calibri" panose="020F0502020204030204" pitchFamily="34" charset="0"/>
+              </a:rPr>
+              <a:t>2042: start higher year-over-year target stringency</a:t>
+            </a:r>
+          </a:p>
+        </p:txBody>
+      </p:sp>
+      <p:cxnSp>
+        <p:nvCxnSpPr>
+          <p:cNvPr id="12" name="Straight Arrow Connector 11">
+            <a:extLst>
+              <a:ext uri="{FF2B5EF4-FFF2-40B4-BE49-F238E27FC236}">
+                <a16:creationId xmlns:a16="http://schemas.microsoft.com/office/drawing/2014/main" id="{4AF6C6C2-0847-49D5-93B1-01DAAACF2FDF}"/>
+              </a:ext>
+            </a:extLst>
+          </p:cNvPr>
+          <p:cNvCxnSpPr>
+            <a:cxnSpLocks/>
+            <a:stCxn id="13" idx="3"/>
+          </p:cNvCxnSpPr>
+          <p:nvPr/>
+        </p:nvCxnSpPr>
+        <p:spPr>
+          <a:xfrm flipV="1">
+            <a:off x="3997020" y="614723"/>
+            <a:ext cx="767081" cy="441213"/>
+          </a:xfrm>
+          <a:prstGeom prst="straightConnector1">
+            <a:avLst/>
+          </a:prstGeom>
+          <a:ln>
+            <a:solidFill>
+              <a:schemeClr val="tx1"/>
+            </a:solidFill>
+            <a:tailEnd type="oval"/>
+          </a:ln>
+        </p:spPr>
+        <p:style>
+          <a:lnRef idx="1">
+            <a:schemeClr val="accent1"/>
+          </a:lnRef>
+          <a:fillRef idx="0">
+            <a:schemeClr val="accent1"/>
+          </a:fillRef>
+          <a:effectRef idx="0">
+            <a:schemeClr val="accent1"/>
+          </a:effectRef>
+          <a:fontRef idx="minor">
+            <a:schemeClr val="tx1"/>
+          </a:fontRef>
+        </p:style>
+      </p:cxnSp>
+      <p:sp>
+        <p:nvSpPr>
+          <p:cNvPr id="13" name="TextBox 12">
+            <a:extLst>
+              <a:ext uri="{FF2B5EF4-FFF2-40B4-BE49-F238E27FC236}">
+                <a16:creationId xmlns:a16="http://schemas.microsoft.com/office/drawing/2014/main" id="{00CCE338-2E4E-4536-A414-FF8541EBE44D}"/>
+              </a:ext>
+            </a:extLst>
+          </p:cNvPr>
+          <p:cNvSpPr txBox="1"/>
+          <p:nvPr/>
+        </p:nvSpPr>
+        <p:spPr>
+          <a:xfrm>
+            <a:off x="3012346" y="760470"/>
+            <a:ext cx="984674" cy="590931"/>
+          </a:xfrm>
+          <a:prstGeom prst="rect">
+            <a:avLst/>
+          </a:prstGeom>
+          <a:solidFill>
+            <a:schemeClr val="bg1"/>
+          </a:solidFill>
+          <a:ln>
+            <a:solidFill>
+              <a:schemeClr val="tx1"/>
+            </a:solidFill>
+          </a:ln>
+        </p:spPr>
+        <p:txBody>
+          <a:bodyPr wrap="square" lIns="18288" tIns="18288" rIns="18288" bIns="18288" rtlCol="0">
+            <a:spAutoFit/>
+          </a:bodyPr>
+          <a:lstStyle/>
+          <a:p>
+            <a:pPr algn="r"/>
+            <a:r>
+              <a:rPr lang="en-US" sz="1200" dirty="0">
+                <a:latin typeface="Calibri" panose="020F0502020204030204" pitchFamily="34" charset="0"/>
+                <a:cs typeface="Calibri" panose="020F0502020204030204" pitchFamily="34" charset="0"/>
+              </a:rPr>
+              <a:t>2046: first year where targets are not met</a:t>
+            </a:r>
+          </a:p>
+        </p:txBody>
+      </p:sp>
+    </p:spTree>
+    <p:extLst>
+      <p:ext uri="{BB962C8B-B14F-4D97-AF65-F5344CB8AC3E}">
+        <p14:creationId xmlns:p14="http://schemas.microsoft.com/office/powerpoint/2010/main" val="79950494"/>
+      </p:ext>
+    </p:extLst>
+  </p:cSld>
+  <p:clrMapOvr>
+    <a:masterClrMapping/>
+  </p:clrMapOvr>
+</p:sld>
+</file>
+
+<file path=ppt/slides/slide5.xml><?xml version="1.0" encoding="utf-8"?>
+<p:sld xmlns:a="http://schemas.openxmlformats.org/drawingml/2006/main" xmlns:r="http://schemas.openxmlformats.org/officeDocument/2006/relationships" xmlns:p="http://schemas.openxmlformats.org/presentationml/2006/main">
+  <p:cSld>
+    <p:spTree>
+      <p:nvGrpSpPr>
+        <p:cNvPr id="1" name=""/>
+        <p:cNvGrpSpPr/>
+        <p:nvPr/>
+      </p:nvGrpSpPr>
+      <p:grpSpPr>
+        <a:xfrm>
+          <a:off x="0" y="0"/>
+          <a:ext cx="0" cy="0"/>
+          <a:chOff x="0" y="0"/>
+          <a:chExt cx="0" cy="0"/>
+        </a:xfrm>
+      </p:grpSpPr>
+      <p:pic>
+        <p:nvPicPr>
+          <p:cNvPr id="3" name="Picture 2">
+            <a:extLst>
+              <a:ext uri="{FF2B5EF4-FFF2-40B4-BE49-F238E27FC236}">
+                <a16:creationId xmlns:a16="http://schemas.microsoft.com/office/drawing/2014/main" id="{034362A3-15FC-404D-8935-65D4BAC66D71}"/>
+              </a:ext>
+            </a:extLst>
+          </p:cNvPr>
+          <p:cNvPicPr>
+            <a:picLocks noChangeAspect="1"/>
+          </p:cNvPicPr>
+          <p:nvPr/>
+        </p:nvPicPr>
+        <p:blipFill>
+          <a:blip r:embed="rId2"/>
+          <a:stretch>
+            <a:fillRect/>
+          </a:stretch>
+        </p:blipFill>
+        <p:spPr>
+          <a:xfrm>
+            <a:off x="0" y="2029"/>
+            <a:ext cx="5486400" cy="3653541"/>
+          </a:xfrm>
+          <a:prstGeom prst="rect">
+            <a:avLst/>
+          </a:prstGeom>
+        </p:spPr>
+      </p:pic>
+      <p:cxnSp>
+        <p:nvCxnSpPr>
+          <p:cNvPr id="5" name="Straight Arrow Connector 4">
+            <a:extLst>
+              <a:ext uri="{FF2B5EF4-FFF2-40B4-BE49-F238E27FC236}">
+                <a16:creationId xmlns:a16="http://schemas.microsoft.com/office/drawing/2014/main" id="{542720A1-08AE-435A-BFAC-EABCDDA4494C}"/>
+              </a:ext>
+            </a:extLst>
+          </p:cNvPr>
+          <p:cNvCxnSpPr>
+            <a:cxnSpLocks/>
+            <a:stCxn id="10" idx="3"/>
+          </p:cNvCxnSpPr>
+          <p:nvPr/>
+        </p:nvCxnSpPr>
+        <p:spPr>
+          <a:xfrm>
+            <a:off x="2517782" y="739048"/>
+            <a:ext cx="650869" cy="0"/>
+          </a:xfrm>
+          <a:prstGeom prst="straightConnector1">
+            <a:avLst/>
+          </a:prstGeom>
+          <a:ln>
+            <a:solidFill>
+              <a:schemeClr val="tx1"/>
+            </a:solidFill>
+            <a:tailEnd type="oval"/>
+          </a:ln>
+        </p:spPr>
+        <p:style>
+          <a:lnRef idx="1">
+            <a:schemeClr val="accent1"/>
+          </a:lnRef>
+          <a:fillRef idx="0">
+            <a:schemeClr val="accent1"/>
+          </a:fillRef>
+          <a:effectRef idx="0">
+            <a:schemeClr val="accent1"/>
+          </a:effectRef>
+          <a:fontRef idx="minor">
+            <a:schemeClr val="tx1"/>
+          </a:fontRef>
+        </p:style>
+      </p:cxnSp>
+      <p:sp>
+        <p:nvSpPr>
+          <p:cNvPr id="8" name="TextBox 7">
+            <a:extLst>
+              <a:ext uri="{FF2B5EF4-FFF2-40B4-BE49-F238E27FC236}">
+                <a16:creationId xmlns:a16="http://schemas.microsoft.com/office/drawing/2014/main" id="{2CF2B8CC-2CD9-4B27-90CE-60297F4F468E}"/>
+              </a:ext>
+            </a:extLst>
+          </p:cNvPr>
+          <p:cNvSpPr txBox="1"/>
+          <p:nvPr/>
+        </p:nvSpPr>
+        <p:spPr>
+          <a:xfrm>
+            <a:off x="2932168" y="2457450"/>
+            <a:ext cx="384748" cy="184666"/>
+          </a:xfrm>
+          <a:prstGeom prst="rect">
+            <a:avLst/>
+          </a:prstGeom>
+          <a:noFill/>
+        </p:spPr>
+        <p:txBody>
+          <a:bodyPr wrap="square" lIns="0" tIns="0" rIns="0" bIns="0" rtlCol="0">
+            <a:spAutoFit/>
+          </a:bodyPr>
+          <a:lstStyle/>
+          <a:p>
+            <a:r>
+              <a:rPr lang="en-US" sz="1200" dirty="0">
+                <a:latin typeface="Calibri" panose="020F0502020204030204" pitchFamily="34" charset="0"/>
+                <a:cs typeface="Calibri" panose="020F0502020204030204" pitchFamily="34" charset="0"/>
+              </a:rPr>
+              <a:t>(alt1)</a:t>
+            </a:r>
+          </a:p>
+        </p:txBody>
+      </p:sp>
+      <p:sp>
+        <p:nvSpPr>
+          <p:cNvPr id="9" name="TextBox 8">
+            <a:extLst>
+              <a:ext uri="{FF2B5EF4-FFF2-40B4-BE49-F238E27FC236}">
+                <a16:creationId xmlns:a16="http://schemas.microsoft.com/office/drawing/2014/main" id="{E2538FF1-F775-42BC-AF97-5C993486483D}"/>
+              </a:ext>
+            </a:extLst>
+          </p:cNvPr>
+          <p:cNvSpPr txBox="1"/>
+          <p:nvPr/>
+        </p:nvSpPr>
+        <p:spPr>
+          <a:xfrm>
+            <a:off x="2786171" y="2734076"/>
+            <a:ext cx="384748" cy="184666"/>
+          </a:xfrm>
+          <a:prstGeom prst="rect">
+            <a:avLst/>
+          </a:prstGeom>
+          <a:noFill/>
+        </p:spPr>
+        <p:txBody>
+          <a:bodyPr wrap="square" lIns="0" tIns="0" rIns="0" bIns="0" rtlCol="0">
+            <a:spAutoFit/>
+          </a:bodyPr>
+          <a:lstStyle/>
+          <a:p>
+            <a:r>
+              <a:rPr lang="en-US" sz="1200" dirty="0">
+                <a:latin typeface="Calibri" panose="020F0502020204030204" pitchFamily="34" charset="0"/>
+                <a:cs typeface="Calibri" panose="020F0502020204030204" pitchFamily="34" charset="0"/>
+              </a:rPr>
+              <a:t>(alt0)</a:t>
+            </a:r>
+          </a:p>
+        </p:txBody>
+      </p:sp>
+      <p:sp>
+        <p:nvSpPr>
+          <p:cNvPr id="10" name="TextBox 9">
+            <a:extLst>
+              <a:ext uri="{FF2B5EF4-FFF2-40B4-BE49-F238E27FC236}">
+                <a16:creationId xmlns:a16="http://schemas.microsoft.com/office/drawing/2014/main" id="{E3077533-0104-4B35-8992-703C9F367DAD}"/>
+              </a:ext>
+            </a:extLst>
+          </p:cNvPr>
+          <p:cNvSpPr txBox="1"/>
+          <p:nvPr/>
+        </p:nvSpPr>
+        <p:spPr>
+          <a:xfrm>
+            <a:off x="1073182" y="535915"/>
+            <a:ext cx="1444600" cy="406265"/>
+          </a:xfrm>
+          <a:prstGeom prst="rect">
+            <a:avLst/>
+          </a:prstGeom>
+          <a:solidFill>
+            <a:schemeClr val="bg1"/>
+          </a:solidFill>
+          <a:ln>
+            <a:solidFill>
+              <a:schemeClr val="tx1"/>
+            </a:solidFill>
+          </a:ln>
+        </p:spPr>
+        <p:txBody>
+          <a:bodyPr wrap="square" lIns="18288" tIns="18288" rIns="18288" bIns="18288" rtlCol="0">
+            <a:spAutoFit/>
+          </a:bodyPr>
+          <a:lstStyle/>
+          <a:p>
+            <a:pPr algn="r"/>
+            <a:r>
+              <a:rPr lang="en-US" sz="1200" dirty="0">
+                <a:latin typeface="Calibri" panose="020F0502020204030204" pitchFamily="34" charset="0"/>
+                <a:cs typeface="Calibri" panose="020F0502020204030204" pitchFamily="34" charset="0"/>
+              </a:rPr>
+              <a:t>2035: start upstream accounting</a:t>
+            </a:r>
+          </a:p>
+        </p:txBody>
+      </p:sp>
+      <p:cxnSp>
+        <p:nvCxnSpPr>
+          <p:cNvPr id="11" name="Straight Arrow Connector 10">
+            <a:extLst>
+              <a:ext uri="{FF2B5EF4-FFF2-40B4-BE49-F238E27FC236}">
+                <a16:creationId xmlns:a16="http://schemas.microsoft.com/office/drawing/2014/main" id="{C7984198-DC24-47D7-85DB-B317801B644B}"/>
+              </a:ext>
+            </a:extLst>
+          </p:cNvPr>
+          <p:cNvCxnSpPr>
+            <a:cxnSpLocks/>
+            <a:stCxn id="13" idx="0"/>
+          </p:cNvCxnSpPr>
+          <p:nvPr/>
+        </p:nvCxnSpPr>
+        <p:spPr>
+          <a:xfrm flipH="1" flipV="1">
+            <a:off x="4159252" y="939801"/>
+            <a:ext cx="336548" cy="615462"/>
+          </a:xfrm>
+          <a:prstGeom prst="straightConnector1">
+            <a:avLst/>
+          </a:prstGeom>
+          <a:ln>
+            <a:solidFill>
+              <a:schemeClr val="tx1"/>
+            </a:solidFill>
+            <a:tailEnd type="oval"/>
+          </a:ln>
+        </p:spPr>
+        <p:style>
+          <a:lnRef idx="1">
+            <a:schemeClr val="accent1"/>
+          </a:lnRef>
+          <a:fillRef idx="0">
+            <a:schemeClr val="accent1"/>
+          </a:fillRef>
+          <a:effectRef idx="0">
+            <a:schemeClr val="accent1"/>
+          </a:effectRef>
+          <a:fontRef idx="minor">
+            <a:schemeClr val="tx1"/>
+          </a:fontRef>
+        </p:style>
+      </p:cxnSp>
+      <p:sp>
+        <p:nvSpPr>
+          <p:cNvPr id="13" name="TextBox 12">
+            <a:extLst>
+              <a:ext uri="{FF2B5EF4-FFF2-40B4-BE49-F238E27FC236}">
+                <a16:creationId xmlns:a16="http://schemas.microsoft.com/office/drawing/2014/main" id="{7698519D-CA2E-4EE9-9151-DBE6A9A34DA9}"/>
+              </a:ext>
+            </a:extLst>
+          </p:cNvPr>
+          <p:cNvSpPr txBox="1"/>
+          <p:nvPr/>
+        </p:nvSpPr>
+        <p:spPr>
+          <a:xfrm>
+            <a:off x="3844932" y="1555263"/>
+            <a:ext cx="1301736" cy="590931"/>
+          </a:xfrm>
+          <a:prstGeom prst="rect">
+            <a:avLst/>
+          </a:prstGeom>
+          <a:solidFill>
+            <a:schemeClr val="bg1"/>
+          </a:solidFill>
+          <a:ln>
+            <a:solidFill>
+              <a:schemeClr val="tx1"/>
+            </a:solidFill>
+          </a:ln>
+        </p:spPr>
+        <p:txBody>
+          <a:bodyPr wrap="square" lIns="18288" tIns="18288" rIns="18288" bIns="18288" rtlCol="0">
+            <a:spAutoFit/>
+          </a:bodyPr>
+          <a:lstStyle/>
+          <a:p>
+            <a:pPr algn="r"/>
+            <a:r>
+              <a:rPr lang="en-US" sz="1200" dirty="0">
+                <a:latin typeface="Calibri" panose="020F0502020204030204" pitchFamily="34" charset="0"/>
+                <a:cs typeface="Calibri" panose="020F0502020204030204" pitchFamily="34" charset="0"/>
+              </a:rPr>
+              <a:t>2042: start higher year-over-year target stringency</a:t>
+            </a:r>
+          </a:p>
+        </p:txBody>
+      </p:sp>
+    </p:spTree>
+    <p:extLst>
+      <p:ext uri="{BB962C8B-B14F-4D97-AF65-F5344CB8AC3E}">
+        <p14:creationId xmlns:p14="http://schemas.microsoft.com/office/powerpoint/2010/main" val="1630126482"/>
+      </p:ext>
+    </p:extLst>
+  </p:cSld>
+  <p:clrMapOvr>
+    <a:masterClrMapping/>
+  </p:clrMapOvr>
+</p:sld>
+</file>
+
+<file path=ppt/slides/slide6.xml><?xml version="1.0" encoding="utf-8"?>
+<p:sld xmlns:a="http://schemas.openxmlformats.org/drawingml/2006/main" xmlns:r="http://schemas.openxmlformats.org/officeDocument/2006/relationships" xmlns:p="http://schemas.openxmlformats.org/presentationml/2006/main">
+  <p:cSld>
+    <p:spTree>
+      <p:nvGrpSpPr>
+        <p:cNvPr id="1" name=""/>
+        <p:cNvGrpSpPr/>
+        <p:nvPr/>
+      </p:nvGrpSpPr>
+      <p:grpSpPr>
+        <a:xfrm>
+          <a:off x="0" y="0"/>
+          <a:ext cx="0" cy="0"/>
+          <a:chOff x="0" y="0"/>
+          <a:chExt cx="0" cy="0"/>
+        </a:xfrm>
+      </p:grpSpPr>
+      <p:pic>
+        <p:nvPicPr>
+          <p:cNvPr id="3" name="Picture 2">
+            <a:extLst>
+              <a:ext uri="{FF2B5EF4-FFF2-40B4-BE49-F238E27FC236}">
+                <a16:creationId xmlns:a16="http://schemas.microsoft.com/office/drawing/2014/main" id="{034362A3-15FC-404D-8935-65D4BAC66D71}"/>
+              </a:ext>
+            </a:extLst>
+          </p:cNvPr>
+          <p:cNvPicPr>
+            <a:picLocks noChangeAspect="1"/>
+          </p:cNvPicPr>
+          <p:nvPr/>
+        </p:nvPicPr>
+        <p:blipFill>
+          <a:blip r:embed="rId2"/>
+          <a:stretch>
+            <a:fillRect/>
+          </a:stretch>
+        </p:blipFill>
+        <p:spPr>
+          <a:xfrm>
+            <a:off x="0" y="2029"/>
+            <a:ext cx="5486400" cy="3653541"/>
+          </a:xfrm>
+          <a:prstGeom prst="rect">
+            <a:avLst/>
+          </a:prstGeom>
+        </p:spPr>
+      </p:pic>
+      <p:cxnSp>
+        <p:nvCxnSpPr>
+          <p:cNvPr id="5" name="Straight Arrow Connector 4">
+            <a:extLst>
+              <a:ext uri="{FF2B5EF4-FFF2-40B4-BE49-F238E27FC236}">
+                <a16:creationId xmlns:a16="http://schemas.microsoft.com/office/drawing/2014/main" id="{542720A1-08AE-435A-BFAC-EABCDDA4494C}"/>
+              </a:ext>
+            </a:extLst>
+          </p:cNvPr>
+          <p:cNvCxnSpPr>
+            <a:cxnSpLocks/>
+            <a:stCxn id="10" idx="3"/>
+          </p:cNvCxnSpPr>
+          <p:nvPr/>
+        </p:nvCxnSpPr>
+        <p:spPr>
+          <a:xfrm>
+            <a:off x="2517782" y="739048"/>
+            <a:ext cx="650869" cy="0"/>
+          </a:xfrm>
+          <a:prstGeom prst="straightConnector1">
+            <a:avLst/>
+          </a:prstGeom>
+          <a:ln>
+            <a:solidFill>
+              <a:schemeClr val="tx1"/>
+            </a:solidFill>
+            <a:tailEnd type="oval"/>
+          </a:ln>
+        </p:spPr>
+        <p:style>
+          <a:lnRef idx="1">
+            <a:schemeClr val="accent1"/>
+          </a:lnRef>
+          <a:fillRef idx="0">
+            <a:schemeClr val="accent1"/>
+          </a:fillRef>
+          <a:effectRef idx="0">
+            <a:schemeClr val="accent1"/>
+          </a:effectRef>
+          <a:fontRef idx="minor">
+            <a:schemeClr val="tx1"/>
+          </a:fontRef>
+        </p:style>
+      </p:cxnSp>
+      <p:sp>
+        <p:nvSpPr>
+          <p:cNvPr id="8" name="TextBox 7">
+            <a:extLst>
+              <a:ext uri="{FF2B5EF4-FFF2-40B4-BE49-F238E27FC236}">
+                <a16:creationId xmlns:a16="http://schemas.microsoft.com/office/drawing/2014/main" id="{2CF2B8CC-2CD9-4B27-90CE-60297F4F468E}"/>
+              </a:ext>
+            </a:extLst>
+          </p:cNvPr>
+          <p:cNvSpPr txBox="1"/>
+          <p:nvPr/>
+        </p:nvSpPr>
+        <p:spPr>
+          <a:xfrm>
+            <a:off x="2932168" y="2457450"/>
+            <a:ext cx="384748" cy="184666"/>
+          </a:xfrm>
+          <a:prstGeom prst="rect">
+            <a:avLst/>
+          </a:prstGeom>
+          <a:noFill/>
+        </p:spPr>
+        <p:txBody>
+          <a:bodyPr wrap="square" lIns="0" tIns="0" rIns="0" bIns="0" rtlCol="0">
+            <a:spAutoFit/>
+          </a:bodyPr>
+          <a:lstStyle/>
+          <a:p>
+            <a:r>
+              <a:rPr lang="en-US" sz="1200" dirty="0">
+                <a:latin typeface="Calibri" panose="020F0502020204030204" pitchFamily="34" charset="0"/>
+                <a:cs typeface="Calibri" panose="020F0502020204030204" pitchFamily="34" charset="0"/>
+              </a:rPr>
+              <a:t>(alt1)</a:t>
+            </a:r>
+          </a:p>
+        </p:txBody>
+      </p:sp>
+      <p:sp>
+        <p:nvSpPr>
+          <p:cNvPr id="9" name="TextBox 8">
+            <a:extLst>
+              <a:ext uri="{FF2B5EF4-FFF2-40B4-BE49-F238E27FC236}">
+                <a16:creationId xmlns:a16="http://schemas.microsoft.com/office/drawing/2014/main" id="{E2538FF1-F775-42BC-AF97-5C993486483D}"/>
+              </a:ext>
+            </a:extLst>
+          </p:cNvPr>
+          <p:cNvSpPr txBox="1"/>
+          <p:nvPr/>
+        </p:nvSpPr>
+        <p:spPr>
+          <a:xfrm>
+            <a:off x="2786171" y="2734076"/>
+            <a:ext cx="384748" cy="184666"/>
+          </a:xfrm>
+          <a:prstGeom prst="rect">
+            <a:avLst/>
+          </a:prstGeom>
+          <a:noFill/>
+        </p:spPr>
+        <p:txBody>
+          <a:bodyPr wrap="square" lIns="0" tIns="0" rIns="0" bIns="0" rtlCol="0">
+            <a:spAutoFit/>
+          </a:bodyPr>
+          <a:lstStyle/>
+          <a:p>
+            <a:r>
+              <a:rPr lang="en-US" sz="1200" dirty="0">
+                <a:latin typeface="Calibri" panose="020F0502020204030204" pitchFamily="34" charset="0"/>
+                <a:cs typeface="Calibri" panose="020F0502020204030204" pitchFamily="34" charset="0"/>
+              </a:rPr>
+              <a:t>(alt0)</a:t>
+            </a:r>
+          </a:p>
+        </p:txBody>
+      </p:sp>
+      <p:sp>
+        <p:nvSpPr>
+          <p:cNvPr id="10" name="TextBox 9">
+            <a:extLst>
+              <a:ext uri="{FF2B5EF4-FFF2-40B4-BE49-F238E27FC236}">
+                <a16:creationId xmlns:a16="http://schemas.microsoft.com/office/drawing/2014/main" id="{E3077533-0104-4B35-8992-703C9F367DAD}"/>
+              </a:ext>
+            </a:extLst>
+          </p:cNvPr>
+          <p:cNvSpPr txBox="1"/>
+          <p:nvPr/>
+        </p:nvSpPr>
+        <p:spPr>
+          <a:xfrm>
+            <a:off x="1073182" y="535915"/>
+            <a:ext cx="1444600" cy="406265"/>
+          </a:xfrm>
+          <a:prstGeom prst="rect">
+            <a:avLst/>
+          </a:prstGeom>
+          <a:solidFill>
+            <a:schemeClr val="bg1"/>
+          </a:solidFill>
+          <a:ln>
+            <a:solidFill>
+              <a:schemeClr val="tx1"/>
+            </a:solidFill>
+          </a:ln>
+        </p:spPr>
+        <p:txBody>
+          <a:bodyPr wrap="square" lIns="18288" tIns="18288" rIns="18288" bIns="18288" rtlCol="0">
+            <a:spAutoFit/>
+          </a:bodyPr>
+          <a:lstStyle/>
+          <a:p>
+            <a:pPr algn="r"/>
+            <a:r>
+              <a:rPr lang="en-US" sz="1200" dirty="0">
+                <a:latin typeface="Calibri" panose="020F0502020204030204" pitchFamily="34" charset="0"/>
+                <a:cs typeface="Calibri" panose="020F0502020204030204" pitchFamily="34" charset="0"/>
+              </a:rPr>
+              <a:t>2035: start upstream accounting</a:t>
+            </a:r>
+          </a:p>
+        </p:txBody>
+      </p:sp>
+      <p:cxnSp>
+        <p:nvCxnSpPr>
+          <p:cNvPr id="11" name="Straight Arrow Connector 10">
+            <a:extLst>
+              <a:ext uri="{FF2B5EF4-FFF2-40B4-BE49-F238E27FC236}">
+                <a16:creationId xmlns:a16="http://schemas.microsoft.com/office/drawing/2014/main" id="{C7984198-DC24-47D7-85DB-B317801B644B}"/>
+              </a:ext>
+            </a:extLst>
+          </p:cNvPr>
+          <p:cNvCxnSpPr>
+            <a:cxnSpLocks/>
+            <a:stCxn id="13" idx="0"/>
+          </p:cNvCxnSpPr>
+          <p:nvPr/>
+        </p:nvCxnSpPr>
+        <p:spPr>
+          <a:xfrm flipH="1" flipV="1">
+            <a:off x="4159252" y="939801"/>
+            <a:ext cx="336548" cy="615462"/>
+          </a:xfrm>
+          <a:prstGeom prst="straightConnector1">
+            <a:avLst/>
+          </a:prstGeom>
+          <a:ln>
+            <a:solidFill>
+              <a:schemeClr val="tx1"/>
+            </a:solidFill>
+            <a:tailEnd type="oval"/>
+          </a:ln>
+        </p:spPr>
+        <p:style>
+          <a:lnRef idx="1">
+            <a:schemeClr val="accent1"/>
+          </a:lnRef>
+          <a:fillRef idx="0">
+            <a:schemeClr val="accent1"/>
+          </a:fillRef>
+          <a:effectRef idx="0">
+            <a:schemeClr val="accent1"/>
+          </a:effectRef>
+          <a:fontRef idx="minor">
+            <a:schemeClr val="tx1"/>
+          </a:fontRef>
+        </p:style>
+      </p:cxnSp>
+      <p:sp>
+        <p:nvSpPr>
+          <p:cNvPr id="13" name="TextBox 12">
+            <a:extLst>
+              <a:ext uri="{FF2B5EF4-FFF2-40B4-BE49-F238E27FC236}">
+                <a16:creationId xmlns:a16="http://schemas.microsoft.com/office/drawing/2014/main" id="{7698519D-CA2E-4EE9-9151-DBE6A9A34DA9}"/>
+              </a:ext>
+            </a:extLst>
+          </p:cNvPr>
+          <p:cNvSpPr txBox="1"/>
+          <p:nvPr/>
+        </p:nvSpPr>
+        <p:spPr>
+          <a:xfrm>
+            <a:off x="3844932" y="1555263"/>
+            <a:ext cx="1301736" cy="590931"/>
+          </a:xfrm>
+          <a:prstGeom prst="rect">
+            <a:avLst/>
+          </a:prstGeom>
+          <a:solidFill>
+            <a:schemeClr val="bg1"/>
+          </a:solidFill>
+          <a:ln>
+            <a:solidFill>
+              <a:schemeClr val="tx1"/>
+            </a:solidFill>
+          </a:ln>
+        </p:spPr>
+        <p:txBody>
+          <a:bodyPr wrap="square" lIns="18288" tIns="18288" rIns="18288" bIns="18288" rtlCol="0">
+            <a:spAutoFit/>
+          </a:bodyPr>
+          <a:lstStyle/>
+          <a:p>
+            <a:pPr algn="r"/>
+            <a:r>
+              <a:rPr lang="en-US" sz="1200" dirty="0">
+                <a:latin typeface="Calibri" panose="020F0502020204030204" pitchFamily="34" charset="0"/>
+                <a:cs typeface="Calibri" panose="020F0502020204030204" pitchFamily="34" charset="0"/>
+              </a:rPr>
+              <a:t>2042: start higher year-over-year target stringency</a:t>
+            </a:r>
+          </a:p>
+        </p:txBody>
+      </p:sp>
+    </p:spTree>
+    <p:extLst>
+      <p:ext uri="{BB962C8B-B14F-4D97-AF65-F5344CB8AC3E}">
+        <p14:creationId xmlns:p14="http://schemas.microsoft.com/office/powerpoint/2010/main" val="3734266299"/>
+      </p:ext>
+    </p:extLst>
+  </p:cSld>
+  <p:clrMapOvr>
+    <a:masterClrMapping/>
+  </p:clrMapOvr>
+</p:sld>
+</file>
+
+<file path=ppt/slides/slide7.xml><?xml version="1.0" encoding="utf-8"?>
+<p:sld xmlns:a="http://schemas.openxmlformats.org/drawingml/2006/main" xmlns:r="http://schemas.openxmlformats.org/officeDocument/2006/relationships" xmlns:p="http://schemas.openxmlformats.org/presentationml/2006/main">
+  <p:cSld>
+    <p:spTree>
+      <p:nvGrpSpPr>
+        <p:cNvPr id="1" name=""/>
+        <p:cNvGrpSpPr/>
+        <p:nvPr/>
+      </p:nvGrpSpPr>
+      <p:grpSpPr>
+        <a:xfrm>
+          <a:off x="0" y="0"/>
+          <a:ext cx="0" cy="0"/>
+          <a:chOff x="0" y="0"/>
+          <a:chExt cx="0" cy="0"/>
+        </a:xfrm>
+      </p:grpSpPr>
+      <p:pic>
+        <p:nvPicPr>
+          <p:cNvPr id="4" name="Picture 3">
+            <a:extLst>
+              <a:ext uri="{FF2B5EF4-FFF2-40B4-BE49-F238E27FC236}">
+                <a16:creationId xmlns:a16="http://schemas.microsoft.com/office/drawing/2014/main" id="{A76B67E8-6F9A-4F90-854E-464525A25CBC}"/>
+              </a:ext>
+            </a:extLst>
+          </p:cNvPr>
+          <p:cNvPicPr>
+            <a:picLocks/>
+          </p:cNvPicPr>
+          <p:nvPr/>
+        </p:nvPicPr>
+        <p:blipFill>
+          <a:blip r:embed="rId2"/>
+          <a:stretch>
+            <a:fillRect/>
+          </a:stretch>
+        </p:blipFill>
+        <p:spPr>
+          <a:xfrm>
+            <a:off x="0" y="0"/>
+            <a:ext cx="5486400" cy="3657600"/>
+          </a:xfrm>
+          <a:prstGeom prst="rect">
+            <a:avLst/>
+          </a:prstGeom>
+        </p:spPr>
+      </p:pic>
+    </p:spTree>
+    <p:extLst>
+      <p:ext uri="{BB962C8B-B14F-4D97-AF65-F5344CB8AC3E}">
+        <p14:creationId xmlns:p14="http://schemas.microsoft.com/office/powerpoint/2010/main" val="2513298014"/>
+      </p:ext>
+    </p:extLst>
+  </p:cSld>
+  <p:clrMapOvr>
+    <a:masterClrMapping/>
+  </p:clrMapOvr>
+</p:sld>
+</file>
+
+<file path=ppt/slides/slide8.xml><?xml version="1.0" encoding="utf-8"?>
+<p:sld xmlns:a="http://schemas.openxmlformats.org/drawingml/2006/main" xmlns:r="http://schemas.openxmlformats.org/officeDocument/2006/relationships" xmlns:p="http://schemas.openxmlformats.org/presentationml/2006/main">
+  <p:cSld>
+    <p:spTree>
+      <p:nvGrpSpPr>
+        <p:cNvPr id="1" name=""/>
+        <p:cNvGrpSpPr/>
+        <p:nvPr/>
+      </p:nvGrpSpPr>
+      <p:grpSpPr>
+        <a:xfrm>
+          <a:off x="0" y="0"/>
+          <a:ext cx="0" cy="0"/>
+          <a:chOff x="0" y="0"/>
+          <a:chExt cx="0" cy="0"/>
+        </a:xfrm>
+      </p:grpSpPr>
+      <p:pic>
+        <p:nvPicPr>
+          <p:cNvPr id="2" name="Picture 1">
+            <a:extLst>
+              <a:ext uri="{FF2B5EF4-FFF2-40B4-BE49-F238E27FC236}">
+                <a16:creationId xmlns:a16="http://schemas.microsoft.com/office/drawing/2014/main" id="{64BF6682-6687-498F-9DF2-641C178A21CF}"/>
+              </a:ext>
+            </a:extLst>
+          </p:cNvPr>
+          <p:cNvPicPr>
+            <a:picLocks/>
+          </p:cNvPicPr>
+          <p:nvPr/>
+        </p:nvPicPr>
+        <p:blipFill>
+          <a:blip r:embed="rId2"/>
+          <a:stretch>
+            <a:fillRect/>
+          </a:stretch>
+        </p:blipFill>
+        <p:spPr>
+          <a:xfrm>
+            <a:off x="0" y="0"/>
+            <a:ext cx="5486400" cy="3657600"/>
+          </a:xfrm>
+          <a:prstGeom prst="rect">
+            <a:avLst/>
+          </a:prstGeom>
+        </p:spPr>
+      </p:pic>
+      <p:sp>
+        <p:nvSpPr>
+          <p:cNvPr id="8" name="TextBox 7">
+            <a:extLst>
+              <a:ext uri="{FF2B5EF4-FFF2-40B4-BE49-F238E27FC236}">
+                <a16:creationId xmlns:a16="http://schemas.microsoft.com/office/drawing/2014/main" id="{2CF2B8CC-2CD9-4B27-90CE-60297F4F468E}"/>
+              </a:ext>
+            </a:extLst>
+          </p:cNvPr>
+          <p:cNvSpPr txBox="1"/>
+          <p:nvPr/>
+        </p:nvSpPr>
+        <p:spPr>
+          <a:xfrm>
+            <a:off x="2640175" y="2111668"/>
+            <a:ext cx="384748" cy="184666"/>
+          </a:xfrm>
+          <a:prstGeom prst="rect">
+            <a:avLst/>
+          </a:prstGeom>
+          <a:noFill/>
+        </p:spPr>
+        <p:txBody>
+          <a:bodyPr wrap="square" lIns="0" tIns="0" rIns="0" bIns="0" rtlCol="0">
+            <a:spAutoFit/>
+          </a:bodyPr>
+          <a:lstStyle/>
+          <a:p>
+            <a:r>
+              <a:rPr lang="en-US" sz="1200" dirty="0">
+                <a:latin typeface="Calibri" panose="020F0502020204030204" pitchFamily="34" charset="0"/>
+                <a:cs typeface="Calibri" panose="020F0502020204030204" pitchFamily="34" charset="0"/>
+              </a:rPr>
+              <a:t>(alt1)</a:t>
+            </a:r>
+          </a:p>
+        </p:txBody>
+      </p:sp>
+      <p:sp>
+        <p:nvSpPr>
+          <p:cNvPr id="9" name="TextBox 8">
+            <a:extLst>
+              <a:ext uri="{FF2B5EF4-FFF2-40B4-BE49-F238E27FC236}">
+                <a16:creationId xmlns:a16="http://schemas.microsoft.com/office/drawing/2014/main" id="{E2538FF1-F775-42BC-AF97-5C993486483D}"/>
+              </a:ext>
+            </a:extLst>
+          </p:cNvPr>
+          <p:cNvSpPr txBox="1"/>
+          <p:nvPr/>
+        </p:nvSpPr>
+        <p:spPr>
+          <a:xfrm>
+            <a:off x="2494178" y="2388294"/>
+            <a:ext cx="384748" cy="184666"/>
+          </a:xfrm>
+          <a:prstGeom prst="rect">
+            <a:avLst/>
+          </a:prstGeom>
+          <a:noFill/>
+        </p:spPr>
+        <p:txBody>
+          <a:bodyPr wrap="square" lIns="0" tIns="0" rIns="0" bIns="0" rtlCol="0">
+            <a:spAutoFit/>
+          </a:bodyPr>
+          <a:lstStyle/>
+          <a:p>
+            <a:r>
+              <a:rPr lang="en-US" sz="1200" dirty="0">
+                <a:latin typeface="Calibri" panose="020F0502020204030204" pitchFamily="34" charset="0"/>
+                <a:cs typeface="Calibri" panose="020F0502020204030204" pitchFamily="34" charset="0"/>
+              </a:rPr>
+              <a:t>(alt0)</a:t>
+            </a:r>
+          </a:p>
+        </p:txBody>
+      </p:sp>
+    </p:spTree>
+    <p:extLst>
+      <p:ext uri="{BB962C8B-B14F-4D97-AF65-F5344CB8AC3E}">
+        <p14:creationId xmlns:p14="http://schemas.microsoft.com/office/powerpoint/2010/main" val="1208271980"/>
+      </p:ext>
+    </p:extLst>
+  </p:cSld>
+  <p:clrMapOvr>
+    <a:masterClrMapping/>
+  </p:clrMapOvr>
+</p:sld>
+</file>
+
+<file path=ppt/slides/slide9.xml><?xml version="1.0" encoding="utf-8"?>
+<p:sld xmlns:a="http://schemas.openxmlformats.org/drawingml/2006/main" xmlns:r="http://schemas.openxmlformats.org/officeDocument/2006/relationships" xmlns:p="http://schemas.openxmlformats.org/presentationml/2006/main">
+  <p:cSld>
+    <p:spTree>
+      <p:nvGrpSpPr>
+        <p:cNvPr id="1" name=""/>
+        <p:cNvGrpSpPr/>
+        <p:nvPr/>
+      </p:nvGrpSpPr>
+      <p:grpSpPr>
+        <a:xfrm>
+          <a:off x="0" y="0"/>
+          <a:ext cx="0" cy="0"/>
+          <a:chOff x="0" y="0"/>
+          <a:chExt cx="0" cy="0"/>
+        </a:xfrm>
+      </p:grpSpPr>
+      <p:pic>
+        <p:nvPicPr>
+          <p:cNvPr id="3" name="Picture 2">
+            <a:extLst>
+              <a:ext uri="{FF2B5EF4-FFF2-40B4-BE49-F238E27FC236}">
+                <a16:creationId xmlns:a16="http://schemas.microsoft.com/office/drawing/2014/main" id="{1A68087B-487E-4D8B-821D-A4803E5377E9}"/>
+              </a:ext>
+            </a:extLst>
+          </p:cNvPr>
+          <p:cNvPicPr>
+            <a:picLocks/>
+          </p:cNvPicPr>
+          <p:nvPr/>
+        </p:nvPicPr>
+        <p:blipFill>
+          <a:blip r:embed="rId2"/>
+          <a:stretch>
+            <a:fillRect/>
+          </a:stretch>
+        </p:blipFill>
+        <p:spPr>
+          <a:xfrm>
+            <a:off x="0" y="0"/>
+            <a:ext cx="5486400" cy="3657600"/>
+          </a:xfrm>
+          <a:prstGeom prst="rect">
+            <a:avLst/>
+          </a:prstGeom>
+        </p:spPr>
+      </p:pic>
+    </p:spTree>
+    <p:extLst>
+      <p:ext uri="{BB962C8B-B14F-4D97-AF65-F5344CB8AC3E}">
+        <p14:creationId xmlns:p14="http://schemas.microsoft.com/office/powerpoint/2010/main" val="1095654812"/>
+      </p:ext>
+    </p:extLst>
+  </p:cSld>
+  <p:clrMapOvr>
+    <a:masterClrMapping/>
+  </p:clrMapOvr>
+</p:sld>
+</file>
+
 <file path=ppt/theme/theme1.xml><?xml version="1.0" encoding="utf-8"?>
 <a:theme xmlns:a="http://schemas.openxmlformats.org/drawingml/2006/main" name="Office Theme">
   <a:themeElements>

--- a/doc/source/_static/raw_figures_4x6.pptx
+++ b/doc/source/_static/raw_figures_4x6.pptx
@@ -7,13 +7,15 @@
   <p:sldIdLst>
     <p:sldId id="256" r:id="rId2"/>
     <p:sldId id="257" r:id="rId3"/>
-    <p:sldId id="259" r:id="rId4"/>
-    <p:sldId id="258" r:id="rId5"/>
-    <p:sldId id="260" r:id="rId6"/>
-    <p:sldId id="261" r:id="rId7"/>
-    <p:sldId id="262" r:id="rId8"/>
-    <p:sldId id="263" r:id="rId9"/>
-    <p:sldId id="264" r:id="rId10"/>
+    <p:sldId id="265" r:id="rId4"/>
+    <p:sldId id="266" r:id="rId5"/>
+    <p:sldId id="267" r:id="rId6"/>
+    <p:sldId id="259" r:id="rId7"/>
+    <p:sldId id="258" r:id="rId8"/>
+    <p:sldId id="260" r:id="rId9"/>
+    <p:sldId id="262" r:id="rId10"/>
+    <p:sldId id="263" r:id="rId11"/>
+    <p:sldId id="264" r:id="rId12"/>
   </p:sldIdLst>
   <p:sldSz cx="5486400" cy="3657600"/>
   <p:notesSz cx="6858000" cy="9144000"/>
@@ -251,7 +253,7 @@
           <a:p>
             <a:fld id="{57A6BCA2-475F-4384-9763-C66D05EE8847}" type="datetimeFigureOut">
               <a:rPr lang="en-US" smtClean="0"/>
-              <a:t>10/19/2021</a:t>
+              <a:t>10/26/2021</a:t>
             </a:fld>
             <a:endParaRPr lang="en-US"/>
           </a:p>
@@ -421,7 +423,7 @@
           <a:p>
             <a:fld id="{57A6BCA2-475F-4384-9763-C66D05EE8847}" type="datetimeFigureOut">
               <a:rPr lang="en-US" smtClean="0"/>
-              <a:t>10/19/2021</a:t>
+              <a:t>10/26/2021</a:t>
             </a:fld>
             <a:endParaRPr lang="en-US"/>
           </a:p>
@@ -601,7 +603,7 @@
           <a:p>
             <a:fld id="{57A6BCA2-475F-4384-9763-C66D05EE8847}" type="datetimeFigureOut">
               <a:rPr lang="en-US" smtClean="0"/>
-              <a:t>10/19/2021</a:t>
+              <a:t>10/26/2021</a:t>
             </a:fld>
             <a:endParaRPr lang="en-US"/>
           </a:p>
@@ -771,7 +773,7 @@
           <a:p>
             <a:fld id="{57A6BCA2-475F-4384-9763-C66D05EE8847}" type="datetimeFigureOut">
               <a:rPr lang="en-US" smtClean="0"/>
-              <a:t>10/19/2021</a:t>
+              <a:t>10/26/2021</a:t>
             </a:fld>
             <a:endParaRPr lang="en-US"/>
           </a:p>
@@ -1015,7 +1017,7 @@
           <a:p>
             <a:fld id="{57A6BCA2-475F-4384-9763-C66D05EE8847}" type="datetimeFigureOut">
               <a:rPr lang="en-US" smtClean="0"/>
-              <a:t>10/19/2021</a:t>
+              <a:t>10/26/2021</a:t>
             </a:fld>
             <a:endParaRPr lang="en-US"/>
           </a:p>
@@ -1247,7 +1249,7 @@
           <a:p>
             <a:fld id="{57A6BCA2-475F-4384-9763-C66D05EE8847}" type="datetimeFigureOut">
               <a:rPr lang="en-US" smtClean="0"/>
-              <a:t>10/19/2021</a:t>
+              <a:t>10/26/2021</a:t>
             </a:fld>
             <a:endParaRPr lang="en-US"/>
           </a:p>
@@ -1614,7 +1616,7 @@
           <a:p>
             <a:fld id="{57A6BCA2-475F-4384-9763-C66D05EE8847}" type="datetimeFigureOut">
               <a:rPr lang="en-US" smtClean="0"/>
-              <a:t>10/19/2021</a:t>
+              <a:t>10/26/2021</a:t>
             </a:fld>
             <a:endParaRPr lang="en-US"/>
           </a:p>
@@ -1732,7 +1734,7 @@
           <a:p>
             <a:fld id="{57A6BCA2-475F-4384-9763-C66D05EE8847}" type="datetimeFigureOut">
               <a:rPr lang="en-US" smtClean="0"/>
-              <a:t>10/19/2021</a:t>
+              <a:t>10/26/2021</a:t>
             </a:fld>
             <a:endParaRPr lang="en-US"/>
           </a:p>
@@ -1827,7 +1829,7 @@
           <a:p>
             <a:fld id="{57A6BCA2-475F-4384-9763-C66D05EE8847}" type="datetimeFigureOut">
               <a:rPr lang="en-US" smtClean="0"/>
-              <a:t>10/19/2021</a:t>
+              <a:t>10/26/2021</a:t>
             </a:fld>
             <a:endParaRPr lang="en-US"/>
           </a:p>
@@ -2104,7 +2106,7 @@
           <a:p>
             <a:fld id="{57A6BCA2-475F-4384-9763-C66D05EE8847}" type="datetimeFigureOut">
               <a:rPr lang="en-US" smtClean="0"/>
-              <a:t>10/19/2021</a:t>
+              <a:t>10/26/2021</a:t>
             </a:fld>
             <a:endParaRPr lang="en-US"/>
           </a:p>
@@ -2361,7 +2363,7 @@
           <a:p>
             <a:fld id="{57A6BCA2-475F-4384-9763-C66D05EE8847}" type="datetimeFigureOut">
               <a:rPr lang="en-US" smtClean="0"/>
-              <a:t>10/19/2021</a:t>
+              <a:t>10/26/2021</a:t>
             </a:fld>
             <a:endParaRPr lang="en-US"/>
           </a:p>
@@ -2574,7 +2576,7 @@
           <a:p>
             <a:fld id="{57A6BCA2-475F-4384-9763-C66D05EE8847}" type="datetimeFigureOut">
               <a:rPr lang="en-US" smtClean="0"/>
-              <a:t>10/19/2021</a:t>
+              <a:t>10/26/2021</a:t>
             </a:fld>
             <a:endParaRPr lang="en-US"/>
           </a:p>
@@ -3022,6 +3024,202 @@
 </p:sld>
 </file>
 
+<file path=ppt/slides/slide10.xml><?xml version="1.0" encoding="utf-8"?>
+<p:sld xmlns:a="http://schemas.openxmlformats.org/drawingml/2006/main" xmlns:r="http://schemas.openxmlformats.org/officeDocument/2006/relationships" xmlns:p="http://schemas.openxmlformats.org/presentationml/2006/main">
+  <p:cSld>
+    <p:spTree>
+      <p:nvGrpSpPr>
+        <p:cNvPr id="1" name=""/>
+        <p:cNvGrpSpPr/>
+        <p:nvPr/>
+      </p:nvGrpSpPr>
+      <p:grpSpPr>
+        <a:xfrm>
+          <a:off x="0" y="0"/>
+          <a:ext cx="0" cy="0"/>
+          <a:chOff x="0" y="0"/>
+          <a:chExt cx="0" cy="0"/>
+        </a:xfrm>
+      </p:grpSpPr>
+      <p:pic>
+        <p:nvPicPr>
+          <p:cNvPr id="2" name="Picture 1">
+            <a:extLst>
+              <a:ext uri="{FF2B5EF4-FFF2-40B4-BE49-F238E27FC236}">
+                <a16:creationId xmlns:a16="http://schemas.microsoft.com/office/drawing/2014/main" id="{64BF6682-6687-498F-9DF2-641C178A21CF}"/>
+              </a:ext>
+            </a:extLst>
+          </p:cNvPr>
+          <p:cNvPicPr>
+            <a:picLocks/>
+          </p:cNvPicPr>
+          <p:nvPr/>
+        </p:nvPicPr>
+        <p:blipFill>
+          <a:blip r:embed="rId2"/>
+          <a:stretch>
+            <a:fillRect/>
+          </a:stretch>
+        </p:blipFill>
+        <p:spPr>
+          <a:xfrm>
+            <a:off x="0" y="0"/>
+            <a:ext cx="5486400" cy="3657600"/>
+          </a:xfrm>
+          <a:prstGeom prst="rect">
+            <a:avLst/>
+          </a:prstGeom>
+        </p:spPr>
+      </p:pic>
+      <p:sp>
+        <p:nvSpPr>
+          <p:cNvPr id="8" name="TextBox 7">
+            <a:extLst>
+              <a:ext uri="{FF2B5EF4-FFF2-40B4-BE49-F238E27FC236}">
+                <a16:creationId xmlns:a16="http://schemas.microsoft.com/office/drawing/2014/main" id="{2CF2B8CC-2CD9-4B27-90CE-60297F4F468E}"/>
+              </a:ext>
+            </a:extLst>
+          </p:cNvPr>
+          <p:cNvSpPr txBox="1"/>
+          <p:nvPr/>
+        </p:nvSpPr>
+        <p:spPr>
+          <a:xfrm>
+            <a:off x="2640175" y="2111668"/>
+            <a:ext cx="384748" cy="184666"/>
+          </a:xfrm>
+          <a:prstGeom prst="rect">
+            <a:avLst/>
+          </a:prstGeom>
+          <a:noFill/>
+        </p:spPr>
+        <p:txBody>
+          <a:bodyPr wrap="square" lIns="0" tIns="0" rIns="0" bIns="0" rtlCol="0">
+            <a:spAutoFit/>
+          </a:bodyPr>
+          <a:lstStyle/>
+          <a:p>
+            <a:r>
+              <a:rPr lang="en-US" sz="1200" dirty="0">
+                <a:latin typeface="Calibri" panose="020F0502020204030204" pitchFamily="34" charset="0"/>
+                <a:cs typeface="Calibri" panose="020F0502020204030204" pitchFamily="34" charset="0"/>
+              </a:rPr>
+              <a:t>(alt1)</a:t>
+            </a:r>
+          </a:p>
+        </p:txBody>
+      </p:sp>
+      <p:sp>
+        <p:nvSpPr>
+          <p:cNvPr id="9" name="TextBox 8">
+            <a:extLst>
+              <a:ext uri="{FF2B5EF4-FFF2-40B4-BE49-F238E27FC236}">
+                <a16:creationId xmlns:a16="http://schemas.microsoft.com/office/drawing/2014/main" id="{E2538FF1-F775-42BC-AF97-5C993486483D}"/>
+              </a:ext>
+            </a:extLst>
+          </p:cNvPr>
+          <p:cNvSpPr txBox="1"/>
+          <p:nvPr/>
+        </p:nvSpPr>
+        <p:spPr>
+          <a:xfrm>
+            <a:off x="2494178" y="2388294"/>
+            <a:ext cx="384748" cy="184666"/>
+          </a:xfrm>
+          <a:prstGeom prst="rect">
+            <a:avLst/>
+          </a:prstGeom>
+          <a:noFill/>
+        </p:spPr>
+        <p:txBody>
+          <a:bodyPr wrap="square" lIns="0" tIns="0" rIns="0" bIns="0" rtlCol="0">
+            <a:spAutoFit/>
+          </a:bodyPr>
+          <a:lstStyle/>
+          <a:p>
+            <a:r>
+              <a:rPr lang="en-US" sz="1200" dirty="0">
+                <a:latin typeface="Calibri" panose="020F0502020204030204" pitchFamily="34" charset="0"/>
+                <a:cs typeface="Calibri" panose="020F0502020204030204" pitchFamily="34" charset="0"/>
+              </a:rPr>
+              <a:t>(alt0)</a:t>
+            </a:r>
+          </a:p>
+        </p:txBody>
+      </p:sp>
+    </p:spTree>
+    <p:extLst>
+      <p:ext uri="{BB962C8B-B14F-4D97-AF65-F5344CB8AC3E}">
+        <p14:creationId xmlns:p14="http://schemas.microsoft.com/office/powerpoint/2010/main" val="1208271980"/>
+      </p:ext>
+    </p:extLst>
+  </p:cSld>
+  <p:clrMapOvr>
+    <a:masterClrMapping/>
+  </p:clrMapOvr>
+</p:sld>
+</file>
+
+<file path=ppt/slides/slide11.xml><?xml version="1.0" encoding="utf-8"?>
+<p:sld xmlns:a="http://schemas.openxmlformats.org/drawingml/2006/main" xmlns:r="http://schemas.openxmlformats.org/officeDocument/2006/relationships" xmlns:p="http://schemas.openxmlformats.org/presentationml/2006/main">
+  <p:cSld>
+    <p:spTree>
+      <p:nvGrpSpPr>
+        <p:cNvPr id="1" name=""/>
+        <p:cNvGrpSpPr/>
+        <p:nvPr/>
+      </p:nvGrpSpPr>
+      <p:grpSpPr>
+        <a:xfrm>
+          <a:off x="0" y="0"/>
+          <a:ext cx="0" cy="0"/>
+          <a:chOff x="0" y="0"/>
+          <a:chExt cx="0" cy="0"/>
+        </a:xfrm>
+      </p:grpSpPr>
+      <p:pic>
+        <p:nvPicPr>
+          <p:cNvPr id="3" name="Picture 2">
+            <a:extLst>
+              <a:ext uri="{FF2B5EF4-FFF2-40B4-BE49-F238E27FC236}">
+                <a16:creationId xmlns:a16="http://schemas.microsoft.com/office/drawing/2014/main" id="{1A68087B-487E-4D8B-821D-A4803E5377E9}"/>
+              </a:ext>
+            </a:extLst>
+          </p:cNvPr>
+          <p:cNvPicPr>
+            <a:picLocks/>
+          </p:cNvPicPr>
+          <p:nvPr/>
+        </p:nvPicPr>
+        <p:blipFill>
+          <a:blip r:embed="rId2"/>
+          <a:stretch>
+            <a:fillRect/>
+          </a:stretch>
+        </p:blipFill>
+        <p:spPr>
+          <a:xfrm>
+            <a:off x="0" y="0"/>
+            <a:ext cx="5486400" cy="3657600"/>
+          </a:xfrm>
+          <a:prstGeom prst="rect">
+            <a:avLst/>
+          </a:prstGeom>
+        </p:spPr>
+      </p:pic>
+    </p:spTree>
+    <p:extLst>
+      <p:ext uri="{BB962C8B-B14F-4D97-AF65-F5344CB8AC3E}">
+        <p14:creationId xmlns:p14="http://schemas.microsoft.com/office/powerpoint/2010/main" val="1095654812"/>
+      </p:ext>
+    </p:extLst>
+  </p:cSld>
+  <p:clrMapOvr>
+    <a:masterClrMapping/>
+  </p:clrMapOvr>
+</p:sld>
+</file>
+
 <file path=ppt/slides/slide2.xml><?xml version="1.0" encoding="utf-8"?>
 <p:sld xmlns:a="http://schemas.openxmlformats.org/drawingml/2006/main" xmlns:r="http://schemas.openxmlformats.org/officeDocument/2006/relationships" xmlns:p="http://schemas.openxmlformats.org/presentationml/2006/main">
   <p:cSld>
@@ -3131,6 +3329,186 @@
       </p:grpSpPr>
       <p:pic>
         <p:nvPicPr>
+          <p:cNvPr id="2" name="Picture 1">
+            <a:extLst>
+              <a:ext uri="{FF2B5EF4-FFF2-40B4-BE49-F238E27FC236}">
+                <a16:creationId xmlns:a16="http://schemas.microsoft.com/office/drawing/2014/main" id="{6889729C-B827-4AD5-B86B-2FF9FB6D3781}"/>
+              </a:ext>
+            </a:extLst>
+          </p:cNvPr>
+          <p:cNvPicPr>
+            <a:picLocks noChangeAspect="1"/>
+          </p:cNvPicPr>
+          <p:nvPr/>
+        </p:nvPicPr>
+        <p:blipFill>
+          <a:blip r:embed="rId2"/>
+          <a:stretch>
+            <a:fillRect/>
+          </a:stretch>
+        </p:blipFill>
+        <p:spPr>
+          <a:xfrm>
+            <a:off x="1522" y="0"/>
+            <a:ext cx="5483356" cy="3657600"/>
+          </a:xfrm>
+          <a:prstGeom prst="rect">
+            <a:avLst/>
+          </a:prstGeom>
+        </p:spPr>
+      </p:pic>
+    </p:spTree>
+    <p:extLst>
+      <p:ext uri="{BB962C8B-B14F-4D97-AF65-F5344CB8AC3E}">
+        <p14:creationId xmlns:p14="http://schemas.microsoft.com/office/powerpoint/2010/main" val="2081572452"/>
+      </p:ext>
+    </p:extLst>
+  </p:cSld>
+  <p:clrMapOvr>
+    <a:masterClrMapping/>
+  </p:clrMapOvr>
+</p:sld>
+</file>
+
+<file path=ppt/slides/slide4.xml><?xml version="1.0" encoding="utf-8"?>
+<p:sld xmlns:a="http://schemas.openxmlformats.org/drawingml/2006/main" xmlns:r="http://schemas.openxmlformats.org/officeDocument/2006/relationships" xmlns:p="http://schemas.openxmlformats.org/presentationml/2006/main">
+  <p:cSld>
+    <p:spTree>
+      <p:nvGrpSpPr>
+        <p:cNvPr id="1" name=""/>
+        <p:cNvGrpSpPr/>
+        <p:nvPr/>
+      </p:nvGrpSpPr>
+      <p:grpSpPr>
+        <a:xfrm>
+          <a:off x="0" y="0"/>
+          <a:ext cx="0" cy="0"/>
+          <a:chOff x="0" y="0"/>
+          <a:chExt cx="0" cy="0"/>
+        </a:xfrm>
+      </p:grpSpPr>
+      <p:pic>
+        <p:nvPicPr>
+          <p:cNvPr id="2" name="Picture 1">
+            <a:extLst>
+              <a:ext uri="{FF2B5EF4-FFF2-40B4-BE49-F238E27FC236}">
+                <a16:creationId xmlns:a16="http://schemas.microsoft.com/office/drawing/2014/main" id="{E91C892B-53FC-4A18-8740-AFEE552A3CBC}"/>
+              </a:ext>
+            </a:extLst>
+          </p:cNvPr>
+          <p:cNvPicPr>
+            <a:picLocks noChangeAspect="1"/>
+          </p:cNvPicPr>
+          <p:nvPr/>
+        </p:nvPicPr>
+        <p:blipFill>
+          <a:blip r:embed="rId2"/>
+          <a:stretch>
+            <a:fillRect/>
+          </a:stretch>
+        </p:blipFill>
+        <p:spPr>
+          <a:xfrm>
+            <a:off x="1522" y="0"/>
+            <a:ext cx="5483356" cy="3657600"/>
+          </a:xfrm>
+          <a:prstGeom prst="rect">
+            <a:avLst/>
+          </a:prstGeom>
+        </p:spPr>
+      </p:pic>
+    </p:spTree>
+    <p:extLst>
+      <p:ext uri="{BB962C8B-B14F-4D97-AF65-F5344CB8AC3E}">
+        <p14:creationId xmlns:p14="http://schemas.microsoft.com/office/powerpoint/2010/main" val="2017736400"/>
+      </p:ext>
+    </p:extLst>
+  </p:cSld>
+  <p:clrMapOvr>
+    <a:masterClrMapping/>
+  </p:clrMapOvr>
+</p:sld>
+</file>
+
+<file path=ppt/slides/slide5.xml><?xml version="1.0" encoding="utf-8"?>
+<p:sld xmlns:a="http://schemas.openxmlformats.org/drawingml/2006/main" xmlns:r="http://schemas.openxmlformats.org/officeDocument/2006/relationships" xmlns:p="http://schemas.openxmlformats.org/presentationml/2006/main">
+  <p:cSld>
+    <p:spTree>
+      <p:nvGrpSpPr>
+        <p:cNvPr id="1" name=""/>
+        <p:cNvGrpSpPr/>
+        <p:nvPr/>
+      </p:nvGrpSpPr>
+      <p:grpSpPr>
+        <a:xfrm>
+          <a:off x="0" y="0"/>
+          <a:ext cx="0" cy="0"/>
+          <a:chOff x="0" y="0"/>
+          <a:chExt cx="0" cy="0"/>
+        </a:xfrm>
+      </p:grpSpPr>
+      <p:pic>
+        <p:nvPicPr>
+          <p:cNvPr id="5" name="Picture 4">
+            <a:extLst>
+              <a:ext uri="{FF2B5EF4-FFF2-40B4-BE49-F238E27FC236}">
+                <a16:creationId xmlns:a16="http://schemas.microsoft.com/office/drawing/2014/main" id="{507BFF0E-C974-4126-9A76-0C5D3D77B330}"/>
+              </a:ext>
+            </a:extLst>
+          </p:cNvPr>
+          <p:cNvPicPr>
+            <a:picLocks noChangeAspect="1"/>
+          </p:cNvPicPr>
+          <p:nvPr/>
+        </p:nvPicPr>
+        <p:blipFill>
+          <a:blip r:embed="rId2"/>
+          <a:stretch>
+            <a:fillRect/>
+          </a:stretch>
+        </p:blipFill>
+        <p:spPr>
+          <a:xfrm>
+            <a:off x="0" y="0"/>
+            <a:ext cx="5486400" cy="3657600"/>
+          </a:xfrm>
+          <a:prstGeom prst="rect">
+            <a:avLst/>
+          </a:prstGeom>
+        </p:spPr>
+      </p:pic>
+    </p:spTree>
+    <p:extLst>
+      <p:ext uri="{BB962C8B-B14F-4D97-AF65-F5344CB8AC3E}">
+        <p14:creationId xmlns:p14="http://schemas.microsoft.com/office/powerpoint/2010/main" val="4196265035"/>
+      </p:ext>
+    </p:extLst>
+  </p:cSld>
+  <p:clrMapOvr>
+    <a:masterClrMapping/>
+  </p:clrMapOvr>
+</p:sld>
+</file>
+
+<file path=ppt/slides/slide6.xml><?xml version="1.0" encoding="utf-8"?>
+<p:sld xmlns:a="http://schemas.openxmlformats.org/drawingml/2006/main" xmlns:r="http://schemas.openxmlformats.org/officeDocument/2006/relationships" xmlns:p="http://schemas.openxmlformats.org/presentationml/2006/main">
+  <p:cSld>
+    <p:spTree>
+      <p:nvGrpSpPr>
+        <p:cNvPr id="1" name=""/>
+        <p:cNvGrpSpPr/>
+        <p:nvPr/>
+      </p:nvGrpSpPr>
+      <p:grpSpPr>
+        <a:xfrm>
+          <a:off x="0" y="0"/>
+          <a:ext cx="0" cy="0"/>
+          <a:chOff x="0" y="0"/>
+          <a:chExt cx="0" cy="0"/>
+        </a:xfrm>
+      </p:grpSpPr>
+      <p:pic>
+        <p:nvPicPr>
           <p:cNvPr id="23" name="Picture 22">
             <a:extLst>
               <a:ext uri="{FF2B5EF4-FFF2-40B4-BE49-F238E27FC236}">
@@ -3518,7 +3896,7 @@
 </p:sld>
 </file>
 
-<file path=ppt/slides/slide4.xml><?xml version="1.0" encoding="utf-8"?>
+<file path=ppt/slides/slide7.xml><?xml version="1.0" encoding="utf-8"?>
 <p:sld xmlns:a="http://schemas.openxmlformats.org/drawingml/2006/main" xmlns:r="http://schemas.openxmlformats.org/officeDocument/2006/relationships" xmlns:p="http://schemas.openxmlformats.org/presentationml/2006/main">
   <p:cSld>
     <p:spTree>
@@ -3850,643 +4228,7 @@
 </p:sld>
 </file>
 
-<file path=ppt/slides/slide5.xml><?xml version="1.0" encoding="utf-8"?>
-<p:sld xmlns:a="http://schemas.openxmlformats.org/drawingml/2006/main" xmlns:r="http://schemas.openxmlformats.org/officeDocument/2006/relationships" xmlns:p="http://schemas.openxmlformats.org/presentationml/2006/main">
-  <p:cSld>
-    <p:spTree>
-      <p:nvGrpSpPr>
-        <p:cNvPr id="1" name=""/>
-        <p:cNvGrpSpPr/>
-        <p:nvPr/>
-      </p:nvGrpSpPr>
-      <p:grpSpPr>
-        <a:xfrm>
-          <a:off x="0" y="0"/>
-          <a:ext cx="0" cy="0"/>
-          <a:chOff x="0" y="0"/>
-          <a:chExt cx="0" cy="0"/>
-        </a:xfrm>
-      </p:grpSpPr>
-      <p:pic>
-        <p:nvPicPr>
-          <p:cNvPr id="3" name="Picture 2">
-            <a:extLst>
-              <a:ext uri="{FF2B5EF4-FFF2-40B4-BE49-F238E27FC236}">
-                <a16:creationId xmlns:a16="http://schemas.microsoft.com/office/drawing/2014/main" id="{034362A3-15FC-404D-8935-65D4BAC66D71}"/>
-              </a:ext>
-            </a:extLst>
-          </p:cNvPr>
-          <p:cNvPicPr>
-            <a:picLocks noChangeAspect="1"/>
-          </p:cNvPicPr>
-          <p:nvPr/>
-        </p:nvPicPr>
-        <p:blipFill>
-          <a:blip r:embed="rId2"/>
-          <a:stretch>
-            <a:fillRect/>
-          </a:stretch>
-        </p:blipFill>
-        <p:spPr>
-          <a:xfrm>
-            <a:off x="0" y="2029"/>
-            <a:ext cx="5486400" cy="3653541"/>
-          </a:xfrm>
-          <a:prstGeom prst="rect">
-            <a:avLst/>
-          </a:prstGeom>
-        </p:spPr>
-      </p:pic>
-      <p:cxnSp>
-        <p:nvCxnSpPr>
-          <p:cNvPr id="5" name="Straight Arrow Connector 4">
-            <a:extLst>
-              <a:ext uri="{FF2B5EF4-FFF2-40B4-BE49-F238E27FC236}">
-                <a16:creationId xmlns:a16="http://schemas.microsoft.com/office/drawing/2014/main" id="{542720A1-08AE-435A-BFAC-EABCDDA4494C}"/>
-              </a:ext>
-            </a:extLst>
-          </p:cNvPr>
-          <p:cNvCxnSpPr>
-            <a:cxnSpLocks/>
-            <a:stCxn id="10" idx="3"/>
-          </p:cNvCxnSpPr>
-          <p:nvPr/>
-        </p:nvCxnSpPr>
-        <p:spPr>
-          <a:xfrm>
-            <a:off x="2517782" y="739048"/>
-            <a:ext cx="650869" cy="0"/>
-          </a:xfrm>
-          <a:prstGeom prst="straightConnector1">
-            <a:avLst/>
-          </a:prstGeom>
-          <a:ln>
-            <a:solidFill>
-              <a:schemeClr val="tx1"/>
-            </a:solidFill>
-            <a:tailEnd type="oval"/>
-          </a:ln>
-        </p:spPr>
-        <p:style>
-          <a:lnRef idx="1">
-            <a:schemeClr val="accent1"/>
-          </a:lnRef>
-          <a:fillRef idx="0">
-            <a:schemeClr val="accent1"/>
-          </a:fillRef>
-          <a:effectRef idx="0">
-            <a:schemeClr val="accent1"/>
-          </a:effectRef>
-          <a:fontRef idx="minor">
-            <a:schemeClr val="tx1"/>
-          </a:fontRef>
-        </p:style>
-      </p:cxnSp>
-      <p:sp>
-        <p:nvSpPr>
-          <p:cNvPr id="8" name="TextBox 7">
-            <a:extLst>
-              <a:ext uri="{FF2B5EF4-FFF2-40B4-BE49-F238E27FC236}">
-                <a16:creationId xmlns:a16="http://schemas.microsoft.com/office/drawing/2014/main" id="{2CF2B8CC-2CD9-4B27-90CE-60297F4F468E}"/>
-              </a:ext>
-            </a:extLst>
-          </p:cNvPr>
-          <p:cNvSpPr txBox="1"/>
-          <p:nvPr/>
-        </p:nvSpPr>
-        <p:spPr>
-          <a:xfrm>
-            <a:off x="2932168" y="2457450"/>
-            <a:ext cx="384748" cy="184666"/>
-          </a:xfrm>
-          <a:prstGeom prst="rect">
-            <a:avLst/>
-          </a:prstGeom>
-          <a:noFill/>
-        </p:spPr>
-        <p:txBody>
-          <a:bodyPr wrap="square" lIns="0" tIns="0" rIns="0" bIns="0" rtlCol="0">
-            <a:spAutoFit/>
-          </a:bodyPr>
-          <a:lstStyle/>
-          <a:p>
-            <a:r>
-              <a:rPr lang="en-US" sz="1200" dirty="0">
-                <a:latin typeface="Calibri" panose="020F0502020204030204" pitchFamily="34" charset="0"/>
-                <a:cs typeface="Calibri" panose="020F0502020204030204" pitchFamily="34" charset="0"/>
-              </a:rPr>
-              <a:t>(alt1)</a:t>
-            </a:r>
-          </a:p>
-        </p:txBody>
-      </p:sp>
-      <p:sp>
-        <p:nvSpPr>
-          <p:cNvPr id="9" name="TextBox 8">
-            <a:extLst>
-              <a:ext uri="{FF2B5EF4-FFF2-40B4-BE49-F238E27FC236}">
-                <a16:creationId xmlns:a16="http://schemas.microsoft.com/office/drawing/2014/main" id="{E2538FF1-F775-42BC-AF97-5C993486483D}"/>
-              </a:ext>
-            </a:extLst>
-          </p:cNvPr>
-          <p:cNvSpPr txBox="1"/>
-          <p:nvPr/>
-        </p:nvSpPr>
-        <p:spPr>
-          <a:xfrm>
-            <a:off x="2786171" y="2734076"/>
-            <a:ext cx="384748" cy="184666"/>
-          </a:xfrm>
-          <a:prstGeom prst="rect">
-            <a:avLst/>
-          </a:prstGeom>
-          <a:noFill/>
-        </p:spPr>
-        <p:txBody>
-          <a:bodyPr wrap="square" lIns="0" tIns="0" rIns="0" bIns="0" rtlCol="0">
-            <a:spAutoFit/>
-          </a:bodyPr>
-          <a:lstStyle/>
-          <a:p>
-            <a:r>
-              <a:rPr lang="en-US" sz="1200" dirty="0">
-                <a:latin typeface="Calibri" panose="020F0502020204030204" pitchFamily="34" charset="0"/>
-                <a:cs typeface="Calibri" panose="020F0502020204030204" pitchFamily="34" charset="0"/>
-              </a:rPr>
-              <a:t>(alt0)</a:t>
-            </a:r>
-          </a:p>
-        </p:txBody>
-      </p:sp>
-      <p:sp>
-        <p:nvSpPr>
-          <p:cNvPr id="10" name="TextBox 9">
-            <a:extLst>
-              <a:ext uri="{FF2B5EF4-FFF2-40B4-BE49-F238E27FC236}">
-                <a16:creationId xmlns:a16="http://schemas.microsoft.com/office/drawing/2014/main" id="{E3077533-0104-4B35-8992-703C9F367DAD}"/>
-              </a:ext>
-            </a:extLst>
-          </p:cNvPr>
-          <p:cNvSpPr txBox="1"/>
-          <p:nvPr/>
-        </p:nvSpPr>
-        <p:spPr>
-          <a:xfrm>
-            <a:off x="1073182" y="535915"/>
-            <a:ext cx="1444600" cy="406265"/>
-          </a:xfrm>
-          <a:prstGeom prst="rect">
-            <a:avLst/>
-          </a:prstGeom>
-          <a:solidFill>
-            <a:schemeClr val="bg1"/>
-          </a:solidFill>
-          <a:ln>
-            <a:solidFill>
-              <a:schemeClr val="tx1"/>
-            </a:solidFill>
-          </a:ln>
-        </p:spPr>
-        <p:txBody>
-          <a:bodyPr wrap="square" lIns="18288" tIns="18288" rIns="18288" bIns="18288" rtlCol="0">
-            <a:spAutoFit/>
-          </a:bodyPr>
-          <a:lstStyle/>
-          <a:p>
-            <a:pPr algn="r"/>
-            <a:r>
-              <a:rPr lang="en-US" sz="1200" dirty="0">
-                <a:latin typeface="Calibri" panose="020F0502020204030204" pitchFamily="34" charset="0"/>
-                <a:cs typeface="Calibri" panose="020F0502020204030204" pitchFamily="34" charset="0"/>
-              </a:rPr>
-              <a:t>2035: start upstream accounting</a:t>
-            </a:r>
-          </a:p>
-        </p:txBody>
-      </p:sp>
-      <p:cxnSp>
-        <p:nvCxnSpPr>
-          <p:cNvPr id="11" name="Straight Arrow Connector 10">
-            <a:extLst>
-              <a:ext uri="{FF2B5EF4-FFF2-40B4-BE49-F238E27FC236}">
-                <a16:creationId xmlns:a16="http://schemas.microsoft.com/office/drawing/2014/main" id="{C7984198-DC24-47D7-85DB-B317801B644B}"/>
-              </a:ext>
-            </a:extLst>
-          </p:cNvPr>
-          <p:cNvCxnSpPr>
-            <a:cxnSpLocks/>
-            <a:stCxn id="13" idx="0"/>
-          </p:cNvCxnSpPr>
-          <p:nvPr/>
-        </p:nvCxnSpPr>
-        <p:spPr>
-          <a:xfrm flipH="1" flipV="1">
-            <a:off x="4159252" y="939801"/>
-            <a:ext cx="336548" cy="615462"/>
-          </a:xfrm>
-          <a:prstGeom prst="straightConnector1">
-            <a:avLst/>
-          </a:prstGeom>
-          <a:ln>
-            <a:solidFill>
-              <a:schemeClr val="tx1"/>
-            </a:solidFill>
-            <a:tailEnd type="oval"/>
-          </a:ln>
-        </p:spPr>
-        <p:style>
-          <a:lnRef idx="1">
-            <a:schemeClr val="accent1"/>
-          </a:lnRef>
-          <a:fillRef idx="0">
-            <a:schemeClr val="accent1"/>
-          </a:fillRef>
-          <a:effectRef idx="0">
-            <a:schemeClr val="accent1"/>
-          </a:effectRef>
-          <a:fontRef idx="minor">
-            <a:schemeClr val="tx1"/>
-          </a:fontRef>
-        </p:style>
-      </p:cxnSp>
-      <p:sp>
-        <p:nvSpPr>
-          <p:cNvPr id="13" name="TextBox 12">
-            <a:extLst>
-              <a:ext uri="{FF2B5EF4-FFF2-40B4-BE49-F238E27FC236}">
-                <a16:creationId xmlns:a16="http://schemas.microsoft.com/office/drawing/2014/main" id="{7698519D-CA2E-4EE9-9151-DBE6A9A34DA9}"/>
-              </a:ext>
-            </a:extLst>
-          </p:cNvPr>
-          <p:cNvSpPr txBox="1"/>
-          <p:nvPr/>
-        </p:nvSpPr>
-        <p:spPr>
-          <a:xfrm>
-            <a:off x="3844932" y="1555263"/>
-            <a:ext cx="1301736" cy="590931"/>
-          </a:xfrm>
-          <a:prstGeom prst="rect">
-            <a:avLst/>
-          </a:prstGeom>
-          <a:solidFill>
-            <a:schemeClr val="bg1"/>
-          </a:solidFill>
-          <a:ln>
-            <a:solidFill>
-              <a:schemeClr val="tx1"/>
-            </a:solidFill>
-          </a:ln>
-        </p:spPr>
-        <p:txBody>
-          <a:bodyPr wrap="square" lIns="18288" tIns="18288" rIns="18288" bIns="18288" rtlCol="0">
-            <a:spAutoFit/>
-          </a:bodyPr>
-          <a:lstStyle/>
-          <a:p>
-            <a:pPr algn="r"/>
-            <a:r>
-              <a:rPr lang="en-US" sz="1200" dirty="0">
-                <a:latin typeface="Calibri" panose="020F0502020204030204" pitchFamily="34" charset="0"/>
-                <a:cs typeface="Calibri" panose="020F0502020204030204" pitchFamily="34" charset="0"/>
-              </a:rPr>
-              <a:t>2042: start higher year-over-year target stringency</a:t>
-            </a:r>
-          </a:p>
-        </p:txBody>
-      </p:sp>
-    </p:spTree>
-    <p:extLst>
-      <p:ext uri="{BB962C8B-B14F-4D97-AF65-F5344CB8AC3E}">
-        <p14:creationId xmlns:p14="http://schemas.microsoft.com/office/powerpoint/2010/main" val="1630126482"/>
-      </p:ext>
-    </p:extLst>
-  </p:cSld>
-  <p:clrMapOvr>
-    <a:masterClrMapping/>
-  </p:clrMapOvr>
-</p:sld>
-</file>
-
-<file path=ppt/slides/slide6.xml><?xml version="1.0" encoding="utf-8"?>
-<p:sld xmlns:a="http://schemas.openxmlformats.org/drawingml/2006/main" xmlns:r="http://schemas.openxmlformats.org/officeDocument/2006/relationships" xmlns:p="http://schemas.openxmlformats.org/presentationml/2006/main">
-  <p:cSld>
-    <p:spTree>
-      <p:nvGrpSpPr>
-        <p:cNvPr id="1" name=""/>
-        <p:cNvGrpSpPr/>
-        <p:nvPr/>
-      </p:nvGrpSpPr>
-      <p:grpSpPr>
-        <a:xfrm>
-          <a:off x="0" y="0"/>
-          <a:ext cx="0" cy="0"/>
-          <a:chOff x="0" y="0"/>
-          <a:chExt cx="0" cy="0"/>
-        </a:xfrm>
-      </p:grpSpPr>
-      <p:pic>
-        <p:nvPicPr>
-          <p:cNvPr id="3" name="Picture 2">
-            <a:extLst>
-              <a:ext uri="{FF2B5EF4-FFF2-40B4-BE49-F238E27FC236}">
-                <a16:creationId xmlns:a16="http://schemas.microsoft.com/office/drawing/2014/main" id="{034362A3-15FC-404D-8935-65D4BAC66D71}"/>
-              </a:ext>
-            </a:extLst>
-          </p:cNvPr>
-          <p:cNvPicPr>
-            <a:picLocks noChangeAspect="1"/>
-          </p:cNvPicPr>
-          <p:nvPr/>
-        </p:nvPicPr>
-        <p:blipFill>
-          <a:blip r:embed="rId2"/>
-          <a:stretch>
-            <a:fillRect/>
-          </a:stretch>
-        </p:blipFill>
-        <p:spPr>
-          <a:xfrm>
-            <a:off x="0" y="2029"/>
-            <a:ext cx="5486400" cy="3653541"/>
-          </a:xfrm>
-          <a:prstGeom prst="rect">
-            <a:avLst/>
-          </a:prstGeom>
-        </p:spPr>
-      </p:pic>
-      <p:cxnSp>
-        <p:nvCxnSpPr>
-          <p:cNvPr id="5" name="Straight Arrow Connector 4">
-            <a:extLst>
-              <a:ext uri="{FF2B5EF4-FFF2-40B4-BE49-F238E27FC236}">
-                <a16:creationId xmlns:a16="http://schemas.microsoft.com/office/drawing/2014/main" id="{542720A1-08AE-435A-BFAC-EABCDDA4494C}"/>
-              </a:ext>
-            </a:extLst>
-          </p:cNvPr>
-          <p:cNvCxnSpPr>
-            <a:cxnSpLocks/>
-            <a:stCxn id="10" idx="3"/>
-          </p:cNvCxnSpPr>
-          <p:nvPr/>
-        </p:nvCxnSpPr>
-        <p:spPr>
-          <a:xfrm>
-            <a:off x="2517782" y="739048"/>
-            <a:ext cx="650869" cy="0"/>
-          </a:xfrm>
-          <a:prstGeom prst="straightConnector1">
-            <a:avLst/>
-          </a:prstGeom>
-          <a:ln>
-            <a:solidFill>
-              <a:schemeClr val="tx1"/>
-            </a:solidFill>
-            <a:tailEnd type="oval"/>
-          </a:ln>
-        </p:spPr>
-        <p:style>
-          <a:lnRef idx="1">
-            <a:schemeClr val="accent1"/>
-          </a:lnRef>
-          <a:fillRef idx="0">
-            <a:schemeClr val="accent1"/>
-          </a:fillRef>
-          <a:effectRef idx="0">
-            <a:schemeClr val="accent1"/>
-          </a:effectRef>
-          <a:fontRef idx="minor">
-            <a:schemeClr val="tx1"/>
-          </a:fontRef>
-        </p:style>
-      </p:cxnSp>
-      <p:sp>
-        <p:nvSpPr>
-          <p:cNvPr id="8" name="TextBox 7">
-            <a:extLst>
-              <a:ext uri="{FF2B5EF4-FFF2-40B4-BE49-F238E27FC236}">
-                <a16:creationId xmlns:a16="http://schemas.microsoft.com/office/drawing/2014/main" id="{2CF2B8CC-2CD9-4B27-90CE-60297F4F468E}"/>
-              </a:ext>
-            </a:extLst>
-          </p:cNvPr>
-          <p:cNvSpPr txBox="1"/>
-          <p:nvPr/>
-        </p:nvSpPr>
-        <p:spPr>
-          <a:xfrm>
-            <a:off x="2932168" y="2457450"/>
-            <a:ext cx="384748" cy="184666"/>
-          </a:xfrm>
-          <a:prstGeom prst="rect">
-            <a:avLst/>
-          </a:prstGeom>
-          <a:noFill/>
-        </p:spPr>
-        <p:txBody>
-          <a:bodyPr wrap="square" lIns="0" tIns="0" rIns="0" bIns="0" rtlCol="0">
-            <a:spAutoFit/>
-          </a:bodyPr>
-          <a:lstStyle/>
-          <a:p>
-            <a:r>
-              <a:rPr lang="en-US" sz="1200" dirty="0">
-                <a:latin typeface="Calibri" panose="020F0502020204030204" pitchFamily="34" charset="0"/>
-                <a:cs typeface="Calibri" panose="020F0502020204030204" pitchFamily="34" charset="0"/>
-              </a:rPr>
-              <a:t>(alt1)</a:t>
-            </a:r>
-          </a:p>
-        </p:txBody>
-      </p:sp>
-      <p:sp>
-        <p:nvSpPr>
-          <p:cNvPr id="9" name="TextBox 8">
-            <a:extLst>
-              <a:ext uri="{FF2B5EF4-FFF2-40B4-BE49-F238E27FC236}">
-                <a16:creationId xmlns:a16="http://schemas.microsoft.com/office/drawing/2014/main" id="{E2538FF1-F775-42BC-AF97-5C993486483D}"/>
-              </a:ext>
-            </a:extLst>
-          </p:cNvPr>
-          <p:cNvSpPr txBox="1"/>
-          <p:nvPr/>
-        </p:nvSpPr>
-        <p:spPr>
-          <a:xfrm>
-            <a:off x="2786171" y="2734076"/>
-            <a:ext cx="384748" cy="184666"/>
-          </a:xfrm>
-          <a:prstGeom prst="rect">
-            <a:avLst/>
-          </a:prstGeom>
-          <a:noFill/>
-        </p:spPr>
-        <p:txBody>
-          <a:bodyPr wrap="square" lIns="0" tIns="0" rIns="0" bIns="0" rtlCol="0">
-            <a:spAutoFit/>
-          </a:bodyPr>
-          <a:lstStyle/>
-          <a:p>
-            <a:r>
-              <a:rPr lang="en-US" sz="1200" dirty="0">
-                <a:latin typeface="Calibri" panose="020F0502020204030204" pitchFamily="34" charset="0"/>
-                <a:cs typeface="Calibri" panose="020F0502020204030204" pitchFamily="34" charset="0"/>
-              </a:rPr>
-              <a:t>(alt0)</a:t>
-            </a:r>
-          </a:p>
-        </p:txBody>
-      </p:sp>
-      <p:sp>
-        <p:nvSpPr>
-          <p:cNvPr id="10" name="TextBox 9">
-            <a:extLst>
-              <a:ext uri="{FF2B5EF4-FFF2-40B4-BE49-F238E27FC236}">
-                <a16:creationId xmlns:a16="http://schemas.microsoft.com/office/drawing/2014/main" id="{E3077533-0104-4B35-8992-703C9F367DAD}"/>
-              </a:ext>
-            </a:extLst>
-          </p:cNvPr>
-          <p:cNvSpPr txBox="1"/>
-          <p:nvPr/>
-        </p:nvSpPr>
-        <p:spPr>
-          <a:xfrm>
-            <a:off x="1073182" y="535915"/>
-            <a:ext cx="1444600" cy="406265"/>
-          </a:xfrm>
-          <a:prstGeom prst="rect">
-            <a:avLst/>
-          </a:prstGeom>
-          <a:solidFill>
-            <a:schemeClr val="bg1"/>
-          </a:solidFill>
-          <a:ln>
-            <a:solidFill>
-              <a:schemeClr val="tx1"/>
-            </a:solidFill>
-          </a:ln>
-        </p:spPr>
-        <p:txBody>
-          <a:bodyPr wrap="square" lIns="18288" tIns="18288" rIns="18288" bIns="18288" rtlCol="0">
-            <a:spAutoFit/>
-          </a:bodyPr>
-          <a:lstStyle/>
-          <a:p>
-            <a:pPr algn="r"/>
-            <a:r>
-              <a:rPr lang="en-US" sz="1200" dirty="0">
-                <a:latin typeface="Calibri" panose="020F0502020204030204" pitchFamily="34" charset="0"/>
-                <a:cs typeface="Calibri" panose="020F0502020204030204" pitchFamily="34" charset="0"/>
-              </a:rPr>
-              <a:t>2035: start upstream accounting</a:t>
-            </a:r>
-          </a:p>
-        </p:txBody>
-      </p:sp>
-      <p:cxnSp>
-        <p:nvCxnSpPr>
-          <p:cNvPr id="11" name="Straight Arrow Connector 10">
-            <a:extLst>
-              <a:ext uri="{FF2B5EF4-FFF2-40B4-BE49-F238E27FC236}">
-                <a16:creationId xmlns:a16="http://schemas.microsoft.com/office/drawing/2014/main" id="{C7984198-DC24-47D7-85DB-B317801B644B}"/>
-              </a:ext>
-            </a:extLst>
-          </p:cNvPr>
-          <p:cNvCxnSpPr>
-            <a:cxnSpLocks/>
-            <a:stCxn id="13" idx="0"/>
-          </p:cNvCxnSpPr>
-          <p:nvPr/>
-        </p:nvCxnSpPr>
-        <p:spPr>
-          <a:xfrm flipH="1" flipV="1">
-            <a:off x="4159252" y="939801"/>
-            <a:ext cx="336548" cy="615462"/>
-          </a:xfrm>
-          <a:prstGeom prst="straightConnector1">
-            <a:avLst/>
-          </a:prstGeom>
-          <a:ln>
-            <a:solidFill>
-              <a:schemeClr val="tx1"/>
-            </a:solidFill>
-            <a:tailEnd type="oval"/>
-          </a:ln>
-        </p:spPr>
-        <p:style>
-          <a:lnRef idx="1">
-            <a:schemeClr val="accent1"/>
-          </a:lnRef>
-          <a:fillRef idx="0">
-            <a:schemeClr val="accent1"/>
-          </a:fillRef>
-          <a:effectRef idx="0">
-            <a:schemeClr val="accent1"/>
-          </a:effectRef>
-          <a:fontRef idx="minor">
-            <a:schemeClr val="tx1"/>
-          </a:fontRef>
-        </p:style>
-      </p:cxnSp>
-      <p:sp>
-        <p:nvSpPr>
-          <p:cNvPr id="13" name="TextBox 12">
-            <a:extLst>
-              <a:ext uri="{FF2B5EF4-FFF2-40B4-BE49-F238E27FC236}">
-                <a16:creationId xmlns:a16="http://schemas.microsoft.com/office/drawing/2014/main" id="{7698519D-CA2E-4EE9-9151-DBE6A9A34DA9}"/>
-              </a:ext>
-            </a:extLst>
-          </p:cNvPr>
-          <p:cNvSpPr txBox="1"/>
-          <p:nvPr/>
-        </p:nvSpPr>
-        <p:spPr>
-          <a:xfrm>
-            <a:off x="3844932" y="1555263"/>
-            <a:ext cx="1301736" cy="590931"/>
-          </a:xfrm>
-          <a:prstGeom prst="rect">
-            <a:avLst/>
-          </a:prstGeom>
-          <a:solidFill>
-            <a:schemeClr val="bg1"/>
-          </a:solidFill>
-          <a:ln>
-            <a:solidFill>
-              <a:schemeClr val="tx1"/>
-            </a:solidFill>
-          </a:ln>
-        </p:spPr>
-        <p:txBody>
-          <a:bodyPr wrap="square" lIns="18288" tIns="18288" rIns="18288" bIns="18288" rtlCol="0">
-            <a:spAutoFit/>
-          </a:bodyPr>
-          <a:lstStyle/>
-          <a:p>
-            <a:pPr algn="r"/>
-            <a:r>
-              <a:rPr lang="en-US" sz="1200" dirty="0">
-                <a:latin typeface="Calibri" panose="020F0502020204030204" pitchFamily="34" charset="0"/>
-                <a:cs typeface="Calibri" panose="020F0502020204030204" pitchFamily="34" charset="0"/>
-              </a:rPr>
-              <a:t>2042: start higher year-over-year target stringency</a:t>
-            </a:r>
-          </a:p>
-        </p:txBody>
-      </p:sp>
-    </p:spTree>
-    <p:extLst>
-      <p:ext uri="{BB962C8B-B14F-4D97-AF65-F5344CB8AC3E}">
-        <p14:creationId xmlns:p14="http://schemas.microsoft.com/office/powerpoint/2010/main" val="3734266299"/>
-      </p:ext>
-    </p:extLst>
-  </p:cSld>
-  <p:clrMapOvr>
-    <a:masterClrMapping/>
-  </p:clrMapOvr>
-</p:sld>
-</file>
-
-<file path=ppt/slides/slide7.xml><?xml version="1.0" encoding="utf-8"?>
+<file path=ppt/slides/slide8.xml><?xml version="1.0" encoding="utf-8"?>
 <p:sld xmlns:a="http://schemas.openxmlformats.org/drawingml/2006/main" xmlns:r="http://schemas.openxmlformats.org/officeDocument/2006/relationships" xmlns:p="http://schemas.openxmlformats.org/presentationml/2006/main">
   <p:cSld>
     <p:spTree>
@@ -4508,12 +4250,12 @@
           <p:cNvPr id="4" name="Picture 3">
             <a:extLst>
               <a:ext uri="{FF2B5EF4-FFF2-40B4-BE49-F238E27FC236}">
-                <a16:creationId xmlns:a16="http://schemas.microsoft.com/office/drawing/2014/main" id="{A76B67E8-6F9A-4F90-854E-464525A25CBC}"/>
+                <a16:creationId xmlns:a16="http://schemas.microsoft.com/office/drawing/2014/main" id="{229044B6-3839-46CD-8F8F-05B529E0DD57}"/>
               </a:ext>
             </a:extLst>
           </p:cNvPr>
           <p:cNvPicPr>
-            <a:picLocks/>
+            <a:picLocks noChangeAspect="1"/>
           </p:cNvPicPr>
           <p:nvPr/>
         </p:nvPicPr>
@@ -4525,8 +4267,8 @@
         </p:blipFill>
         <p:spPr>
           <a:xfrm>
-            <a:off x="0" y="0"/>
-            <a:ext cx="5486400" cy="3657600"/>
+            <a:off x="3048" y="0"/>
+            <a:ext cx="5480304" cy="3657600"/>
           </a:xfrm>
           <a:prstGeom prst="rect">
             <a:avLst/>
@@ -4536,143 +4278,7 @@
     </p:spTree>
     <p:extLst>
       <p:ext uri="{BB962C8B-B14F-4D97-AF65-F5344CB8AC3E}">
-        <p14:creationId xmlns:p14="http://schemas.microsoft.com/office/powerpoint/2010/main" val="2513298014"/>
-      </p:ext>
-    </p:extLst>
-  </p:cSld>
-  <p:clrMapOvr>
-    <a:masterClrMapping/>
-  </p:clrMapOvr>
-</p:sld>
-</file>
-
-<file path=ppt/slides/slide8.xml><?xml version="1.0" encoding="utf-8"?>
-<p:sld xmlns:a="http://schemas.openxmlformats.org/drawingml/2006/main" xmlns:r="http://schemas.openxmlformats.org/officeDocument/2006/relationships" xmlns:p="http://schemas.openxmlformats.org/presentationml/2006/main">
-  <p:cSld>
-    <p:spTree>
-      <p:nvGrpSpPr>
-        <p:cNvPr id="1" name=""/>
-        <p:cNvGrpSpPr/>
-        <p:nvPr/>
-      </p:nvGrpSpPr>
-      <p:grpSpPr>
-        <a:xfrm>
-          <a:off x="0" y="0"/>
-          <a:ext cx="0" cy="0"/>
-          <a:chOff x="0" y="0"/>
-          <a:chExt cx="0" cy="0"/>
-        </a:xfrm>
-      </p:grpSpPr>
-      <p:pic>
-        <p:nvPicPr>
-          <p:cNvPr id="2" name="Picture 1">
-            <a:extLst>
-              <a:ext uri="{FF2B5EF4-FFF2-40B4-BE49-F238E27FC236}">
-                <a16:creationId xmlns:a16="http://schemas.microsoft.com/office/drawing/2014/main" id="{64BF6682-6687-498F-9DF2-641C178A21CF}"/>
-              </a:ext>
-            </a:extLst>
-          </p:cNvPr>
-          <p:cNvPicPr>
-            <a:picLocks/>
-          </p:cNvPicPr>
-          <p:nvPr/>
-        </p:nvPicPr>
-        <p:blipFill>
-          <a:blip r:embed="rId2"/>
-          <a:stretch>
-            <a:fillRect/>
-          </a:stretch>
-        </p:blipFill>
-        <p:spPr>
-          <a:xfrm>
-            <a:off x="0" y="0"/>
-            <a:ext cx="5486400" cy="3657600"/>
-          </a:xfrm>
-          <a:prstGeom prst="rect">
-            <a:avLst/>
-          </a:prstGeom>
-        </p:spPr>
-      </p:pic>
-      <p:sp>
-        <p:nvSpPr>
-          <p:cNvPr id="8" name="TextBox 7">
-            <a:extLst>
-              <a:ext uri="{FF2B5EF4-FFF2-40B4-BE49-F238E27FC236}">
-                <a16:creationId xmlns:a16="http://schemas.microsoft.com/office/drawing/2014/main" id="{2CF2B8CC-2CD9-4B27-90CE-60297F4F468E}"/>
-              </a:ext>
-            </a:extLst>
-          </p:cNvPr>
-          <p:cNvSpPr txBox="1"/>
-          <p:nvPr/>
-        </p:nvSpPr>
-        <p:spPr>
-          <a:xfrm>
-            <a:off x="2640175" y="2111668"/>
-            <a:ext cx="384748" cy="184666"/>
-          </a:xfrm>
-          <a:prstGeom prst="rect">
-            <a:avLst/>
-          </a:prstGeom>
-          <a:noFill/>
-        </p:spPr>
-        <p:txBody>
-          <a:bodyPr wrap="square" lIns="0" tIns="0" rIns="0" bIns="0" rtlCol="0">
-            <a:spAutoFit/>
-          </a:bodyPr>
-          <a:lstStyle/>
-          <a:p>
-            <a:r>
-              <a:rPr lang="en-US" sz="1200" dirty="0">
-                <a:latin typeface="Calibri" panose="020F0502020204030204" pitchFamily="34" charset="0"/>
-                <a:cs typeface="Calibri" panose="020F0502020204030204" pitchFamily="34" charset="0"/>
-              </a:rPr>
-              <a:t>(alt1)</a:t>
-            </a:r>
-          </a:p>
-        </p:txBody>
-      </p:sp>
-      <p:sp>
-        <p:nvSpPr>
-          <p:cNvPr id="9" name="TextBox 8">
-            <a:extLst>
-              <a:ext uri="{FF2B5EF4-FFF2-40B4-BE49-F238E27FC236}">
-                <a16:creationId xmlns:a16="http://schemas.microsoft.com/office/drawing/2014/main" id="{E2538FF1-F775-42BC-AF97-5C993486483D}"/>
-              </a:ext>
-            </a:extLst>
-          </p:cNvPr>
-          <p:cNvSpPr txBox="1"/>
-          <p:nvPr/>
-        </p:nvSpPr>
-        <p:spPr>
-          <a:xfrm>
-            <a:off x="2494178" y="2388294"/>
-            <a:ext cx="384748" cy="184666"/>
-          </a:xfrm>
-          <a:prstGeom prst="rect">
-            <a:avLst/>
-          </a:prstGeom>
-          <a:noFill/>
-        </p:spPr>
-        <p:txBody>
-          <a:bodyPr wrap="square" lIns="0" tIns="0" rIns="0" bIns="0" rtlCol="0">
-            <a:spAutoFit/>
-          </a:bodyPr>
-          <a:lstStyle/>
-          <a:p>
-            <a:r>
-              <a:rPr lang="en-US" sz="1200" dirty="0">
-                <a:latin typeface="Calibri" panose="020F0502020204030204" pitchFamily="34" charset="0"/>
-                <a:cs typeface="Calibri" panose="020F0502020204030204" pitchFamily="34" charset="0"/>
-              </a:rPr>
-              <a:t>(alt0)</a:t>
-            </a:r>
-          </a:p>
-        </p:txBody>
-      </p:sp>
-    </p:spTree>
-    <p:extLst>
-      <p:ext uri="{BB962C8B-B14F-4D97-AF65-F5344CB8AC3E}">
-        <p14:creationId xmlns:p14="http://schemas.microsoft.com/office/powerpoint/2010/main" val="1208271980"/>
+        <p14:creationId xmlns:p14="http://schemas.microsoft.com/office/powerpoint/2010/main" val="1630126482"/>
       </p:ext>
     </p:extLst>
   </p:cSld>
@@ -4701,15 +4307,15 @@
       </p:grpSpPr>
       <p:pic>
         <p:nvPicPr>
-          <p:cNvPr id="3" name="Picture 2">
+          <p:cNvPr id="2" name="Picture 1">
             <a:extLst>
               <a:ext uri="{FF2B5EF4-FFF2-40B4-BE49-F238E27FC236}">
-                <a16:creationId xmlns:a16="http://schemas.microsoft.com/office/drawing/2014/main" id="{1A68087B-487E-4D8B-821D-A4803E5377E9}"/>
+                <a16:creationId xmlns:a16="http://schemas.microsoft.com/office/drawing/2014/main" id="{03086526-2AED-49AF-89AD-D08EDD74ACDA}"/>
               </a:ext>
             </a:extLst>
           </p:cNvPr>
           <p:cNvPicPr>
-            <a:picLocks/>
+            <a:picLocks noChangeAspect="1"/>
           </p:cNvPicPr>
           <p:nvPr/>
         </p:nvPicPr>
@@ -4721,8 +4327,8 @@
         </p:blipFill>
         <p:spPr>
           <a:xfrm>
-            <a:off x="0" y="0"/>
-            <a:ext cx="5486400" cy="3657600"/>
+            <a:off x="3048" y="0"/>
+            <a:ext cx="5480304" cy="3657600"/>
           </a:xfrm>
           <a:prstGeom prst="rect">
             <a:avLst/>
@@ -4732,7 +4338,7 @@
     </p:spTree>
     <p:extLst>
       <p:ext uri="{BB962C8B-B14F-4D97-AF65-F5344CB8AC3E}">
-        <p14:creationId xmlns:p14="http://schemas.microsoft.com/office/powerpoint/2010/main" val="1095654812"/>
+        <p14:creationId xmlns:p14="http://schemas.microsoft.com/office/powerpoint/2010/main" val="2513298014"/>
       </p:ext>
     </p:extLst>
   </p:cSld>
